--- a/references/design.pptx
+++ b/references/design.pptx
@@ -8,15 +8,16 @@
     <p:sldId id="256" r:id="rId2"/>
     <p:sldId id="257" r:id="rId3"/>
     <p:sldId id="258" r:id="rId4"/>
-    <p:sldId id="259" r:id="rId5"/>
-    <p:sldId id="268" r:id="rId6"/>
-    <p:sldId id="261" r:id="rId7"/>
-    <p:sldId id="260" r:id="rId8"/>
-    <p:sldId id="262" r:id="rId9"/>
-    <p:sldId id="270" r:id="rId10"/>
-    <p:sldId id="266" r:id="rId11"/>
-    <p:sldId id="267" r:id="rId12"/>
-    <p:sldId id="269" r:id="rId13"/>
+    <p:sldId id="271" r:id="rId5"/>
+    <p:sldId id="259" r:id="rId6"/>
+    <p:sldId id="268" r:id="rId7"/>
+    <p:sldId id="261" r:id="rId8"/>
+    <p:sldId id="260" r:id="rId9"/>
+    <p:sldId id="262" r:id="rId10"/>
+    <p:sldId id="270" r:id="rId11"/>
+    <p:sldId id="266" r:id="rId12"/>
+    <p:sldId id="267" r:id="rId13"/>
+    <p:sldId id="269" r:id="rId14"/>
   </p:sldIdLst>
   <p:sldSz cx="12192000" cy="6858000"/>
   <p:notesSz cx="6858000" cy="9144000"/>
@@ -4711,7 +4712,7 @@
           <p:cNvPr id="2" name="Title 1">
             <a:extLst>
               <a:ext uri="{FF2B5EF4-FFF2-40B4-BE49-F238E27FC236}">
-                <a16:creationId xmlns:a16="http://schemas.microsoft.com/office/drawing/2014/main" id="{CF9A36E0-84B0-4296-A9F7-E5FFBD321B85}"/>
+                <a16:creationId xmlns:a16="http://schemas.microsoft.com/office/drawing/2014/main" id="{AF177FF6-6C67-4151-9963-5C11E452CCE2}"/>
               </a:ext>
             </a:extLst>
           </p:cNvPr>
@@ -4735,10 +4736,10 @@
           <a:lstStyle/>
           <a:p>
             <a:r>
-              <a:rPr lang="en-US" sz="3600"/>
-              <a:t>Hyperparameter tuning</a:t>
-            </a:r>
-            <a:endParaRPr lang="en-SG" sz="3600"/>
+              <a:rPr lang="en-US" sz="3600" dirty="0"/>
+              <a:t>Model Design (Time-series)</a:t>
+            </a:r>
+            <a:endParaRPr lang="en-SG" sz="3600" dirty="0"/>
           </a:p>
         </p:txBody>
       </p:sp>
@@ -4747,7 +4748,7 @@
           <p:cNvPr id="3" name="Content Placeholder 2">
             <a:extLst>
               <a:ext uri="{FF2B5EF4-FFF2-40B4-BE49-F238E27FC236}">
-                <a16:creationId xmlns:a16="http://schemas.microsoft.com/office/drawing/2014/main" id="{731709A8-992D-47FC-A668-A7DCA45E1709}"/>
+                <a16:creationId xmlns:a16="http://schemas.microsoft.com/office/drawing/2014/main" id="{B221F34D-7E59-4543-ADF1-F29926BFF691}"/>
               </a:ext>
             </a:extLst>
           </p:cNvPr>
@@ -4770,7 +4771,42 @@
           </a:bodyPr>
           <a:lstStyle/>
           <a:p>
-            <a:endParaRPr lang="en-SG" sz="2000"/>
+            <a:r>
+              <a:rPr lang="en-US" sz="2000" dirty="0"/>
+              <a:t>Baseline Model: Regression</a:t>
+            </a:r>
+          </a:p>
+          <a:p>
+            <a:r>
+              <a:rPr lang="en-US" sz="2000" dirty="0"/>
+              <a:t>Statistical: ARIMA, Holt-Winter’s</a:t>
+            </a:r>
+          </a:p>
+          <a:p>
+            <a:r>
+              <a:rPr lang="en-US" sz="2000" dirty="0"/>
+              <a:t>Ensembled: Random Forest, </a:t>
+            </a:r>
+            <a:r>
+              <a:rPr lang="en-US" sz="2000" dirty="0" err="1"/>
+              <a:t>XGBoost</a:t>
+            </a:r>
+            <a:r>
+              <a:rPr lang="en-US" sz="2000" dirty="0"/>
+              <a:t>?</a:t>
+            </a:r>
+          </a:p>
+          <a:p>
+            <a:r>
+              <a:rPr lang="en-US" sz="2000" dirty="0"/>
+              <a:t>Deep-learning: LSTM</a:t>
+            </a:r>
+          </a:p>
+          <a:p>
+            <a:endParaRPr lang="en-US" sz="2000" dirty="0"/>
+          </a:p>
+          <a:p>
+            <a:endParaRPr lang="en-SG" sz="2000" dirty="0"/>
           </a:p>
         </p:txBody>
       </p:sp>
@@ -5045,7 +5081,7 @@
     </p:spTree>
     <p:extLst>
       <p:ext uri="{BB962C8B-B14F-4D97-AF65-F5344CB8AC3E}">
-        <p14:creationId xmlns:p14="http://schemas.microsoft.com/office/powerpoint/2010/main" val="1807398816"/>
+        <p14:creationId xmlns:p14="http://schemas.microsoft.com/office/powerpoint/2010/main" val="1167581551"/>
       </p:ext>
     </p:extLst>
   </p:cSld>
@@ -5148,6 +5184,443 @@
           <p:cNvPr id="2" name="Title 1">
             <a:extLst>
               <a:ext uri="{FF2B5EF4-FFF2-40B4-BE49-F238E27FC236}">
+                <a16:creationId xmlns:a16="http://schemas.microsoft.com/office/drawing/2014/main" id="{CF9A36E0-84B0-4296-A9F7-E5FFBD321B85}"/>
+              </a:ext>
+            </a:extLst>
+          </p:cNvPr>
+          <p:cNvSpPr>
+            <a:spLocks noGrp="1"/>
+          </p:cNvSpPr>
+          <p:nvPr>
+            <p:ph type="title"/>
+          </p:nvPr>
+        </p:nvSpPr>
+        <p:spPr>
+          <a:xfrm>
+            <a:off x="643467" y="321734"/>
+            <a:ext cx="10905066" cy="1135737"/>
+          </a:xfrm>
+        </p:spPr>
+        <p:txBody>
+          <a:bodyPr>
+            <a:normAutofit/>
+          </a:bodyPr>
+          <a:lstStyle/>
+          <a:p>
+            <a:r>
+              <a:rPr lang="en-US" sz="3600"/>
+              <a:t>Hyperparameter tuning</a:t>
+            </a:r>
+            <a:endParaRPr lang="en-SG" sz="3600"/>
+          </a:p>
+        </p:txBody>
+      </p:sp>
+      <p:sp>
+        <p:nvSpPr>
+          <p:cNvPr id="3" name="Content Placeholder 2">
+            <a:extLst>
+              <a:ext uri="{FF2B5EF4-FFF2-40B4-BE49-F238E27FC236}">
+                <a16:creationId xmlns:a16="http://schemas.microsoft.com/office/drawing/2014/main" id="{731709A8-992D-47FC-A668-A7DCA45E1709}"/>
+              </a:ext>
+            </a:extLst>
+          </p:cNvPr>
+          <p:cNvSpPr>
+            <a:spLocks noGrp="1"/>
+          </p:cNvSpPr>
+          <p:nvPr>
+            <p:ph idx="1"/>
+          </p:nvPr>
+        </p:nvSpPr>
+        <p:spPr>
+          <a:xfrm>
+            <a:off x="643467" y="1782981"/>
+            <a:ext cx="10905066" cy="4393982"/>
+          </a:xfrm>
+        </p:spPr>
+        <p:txBody>
+          <a:bodyPr>
+            <a:normAutofit/>
+          </a:bodyPr>
+          <a:lstStyle/>
+          <a:p>
+            <a:endParaRPr lang="en-SG" sz="2000"/>
+          </a:p>
+        </p:txBody>
+      </p:sp>
+      <p:sp>
+        <p:nvSpPr>
+          <p:cNvPr id="10" name="Rectangle 9">
+            <a:extLst>
+              <a:ext uri="{FF2B5EF4-FFF2-40B4-BE49-F238E27FC236}">
+                <a16:creationId xmlns:a16="http://schemas.microsoft.com/office/drawing/2014/main" id="{2E80C965-DB6D-4F81-9E9E-B027384D0BD6}"/>
+              </a:ext>
+              <a:ext uri="{C183D7F6-B498-43B3-948B-1728B52AA6E4}">
+                <adec:decorative xmlns:adec="http://schemas.microsoft.com/office/drawing/2017/decorative" val="1"/>
+              </a:ext>
+            </a:extLst>
+          </p:cNvPr>
+          <p:cNvSpPr>
+            <a:spLocks noGrp="1" noRot="1" noChangeAspect="1" noMove="1" noResize="1" noEditPoints="1" noAdjustHandles="1" noChangeArrowheads="1" noChangeShapeType="1" noTextEdit="1"/>
+          </p:cNvSpPr>
+          <p:nvPr>
+            <p:extLst>
+              <p:ext uri="{386F3935-93C4-4BCD-93E2-E3B085C9AB24}">
+                <p16:designElem xmlns:p16="http://schemas.microsoft.com/office/powerpoint/2015/main" val="1"/>
+              </p:ext>
+            </p:extLst>
+          </p:nvPr>
+        </p:nvSpPr>
+        <p:spPr>
+          <a:xfrm rot="2700000">
+            <a:off x="11052629" y="2120024"/>
+            <a:ext cx="645368" cy="645368"/>
+          </a:xfrm>
+          <a:prstGeom prst="rect">
+            <a:avLst/>
+          </a:prstGeom>
+          <a:solidFill>
+            <a:schemeClr val="accent4">
+              <a:alpha val="30000"/>
+            </a:schemeClr>
+          </a:solidFill>
+          <a:ln>
+            <a:noFill/>
+          </a:ln>
+        </p:spPr>
+        <p:style>
+          <a:lnRef idx="2">
+            <a:schemeClr val="accent1">
+              <a:shade val="50000"/>
+            </a:schemeClr>
+          </a:lnRef>
+          <a:fillRef idx="1">
+            <a:schemeClr val="accent1"/>
+          </a:fillRef>
+          <a:effectRef idx="0">
+            <a:schemeClr val="accent1"/>
+          </a:effectRef>
+          <a:fontRef idx="minor">
+            <a:schemeClr val="lt1"/>
+          </a:fontRef>
+        </p:style>
+        <p:txBody>
+          <a:bodyPr rtlCol="0" anchor="ctr"/>
+          <a:lstStyle/>
+          <a:p>
+            <a:pPr algn="ctr"/>
+            <a:endParaRPr lang="en-US"/>
+          </a:p>
+        </p:txBody>
+      </p:sp>
+      <p:sp>
+        <p:nvSpPr>
+          <p:cNvPr id="12" name="Isosceles Triangle 11">
+            <a:extLst>
+              <a:ext uri="{FF2B5EF4-FFF2-40B4-BE49-F238E27FC236}">
+                <a16:creationId xmlns:a16="http://schemas.microsoft.com/office/drawing/2014/main" id="{A580F890-B085-4E95-96AA-55AEBEC5CE6E}"/>
+              </a:ext>
+              <a:ext uri="{C183D7F6-B498-43B3-948B-1728B52AA6E4}">
+                <adec:decorative xmlns:adec="http://schemas.microsoft.com/office/drawing/2017/decorative" val="1"/>
+              </a:ext>
+            </a:extLst>
+          </p:cNvPr>
+          <p:cNvSpPr>
+            <a:spLocks noGrp="1" noRot="1" noChangeAspect="1" noMove="1" noResize="1" noEditPoints="1" noAdjustHandles="1" noChangeArrowheads="1" noChangeShapeType="1" noTextEdit="1"/>
+          </p:cNvSpPr>
+          <p:nvPr>
+            <p:extLst>
+              <p:ext uri="{386F3935-93C4-4BCD-93E2-E3B085C9AB24}">
+                <p16:designElem xmlns:p16="http://schemas.microsoft.com/office/powerpoint/2015/main" val="1"/>
+              </p:ext>
+            </p:extLst>
+          </p:nvPr>
+        </p:nvSpPr>
+        <p:spPr>
+          <a:xfrm rot="16200000">
+            <a:off x="10289068" y="1343027"/>
+            <a:ext cx="2532832" cy="1273032"/>
+          </a:xfrm>
+          <a:prstGeom prst="triangle">
+            <a:avLst>
+              <a:gd name="adj" fmla="val 50000"/>
+            </a:avLst>
+          </a:prstGeom>
+          <a:solidFill>
+            <a:schemeClr val="accent4">
+              <a:alpha val="30000"/>
+            </a:schemeClr>
+          </a:solidFill>
+          <a:ln>
+            <a:noFill/>
+          </a:ln>
+        </p:spPr>
+        <p:style>
+          <a:lnRef idx="2">
+            <a:schemeClr val="accent1">
+              <a:shade val="50000"/>
+            </a:schemeClr>
+          </a:lnRef>
+          <a:fillRef idx="1">
+            <a:schemeClr val="accent1"/>
+          </a:fillRef>
+          <a:effectRef idx="0">
+            <a:schemeClr val="accent1"/>
+          </a:effectRef>
+          <a:fontRef idx="minor">
+            <a:schemeClr val="lt1"/>
+          </a:fontRef>
+        </p:style>
+        <p:txBody>
+          <a:bodyPr rtlCol="0" anchor="ctr"/>
+          <a:lstStyle/>
+          <a:p>
+            <a:pPr algn="ctr"/>
+            <a:endParaRPr lang="en-US"/>
+          </a:p>
+        </p:txBody>
+      </p:sp>
+      <p:sp>
+        <p:nvSpPr>
+          <p:cNvPr id="14" name="Isosceles Triangle 13">
+            <a:extLst>
+              <a:ext uri="{FF2B5EF4-FFF2-40B4-BE49-F238E27FC236}">
+                <a16:creationId xmlns:a16="http://schemas.microsoft.com/office/drawing/2014/main" id="{D3F51FEB-38FB-4F6C-9F7B-2F2AFAB65463}"/>
+              </a:ext>
+              <a:ext uri="{C183D7F6-B498-43B3-948B-1728B52AA6E4}">
+                <adec:decorative xmlns:adec="http://schemas.microsoft.com/office/drawing/2017/decorative" val="1"/>
+              </a:ext>
+            </a:extLst>
+          </p:cNvPr>
+          <p:cNvSpPr>
+            <a:spLocks noGrp="1" noRot="1" noChangeAspect="1" noMove="1" noResize="1" noEditPoints="1" noAdjustHandles="1" noChangeArrowheads="1" noChangeShapeType="1" noTextEdit="1"/>
+          </p:cNvSpPr>
+          <p:nvPr>
+            <p:extLst>
+              <p:ext uri="{386F3935-93C4-4BCD-93E2-E3B085C9AB24}">
+                <p16:designElem xmlns:p16="http://schemas.microsoft.com/office/powerpoint/2015/main" val="1"/>
+              </p:ext>
+            </p:extLst>
+          </p:nvPr>
+        </p:nvSpPr>
+        <p:spPr>
+          <a:xfrm rot="5400000">
+            <a:off x="-501760" y="5103257"/>
+            <a:ext cx="2017580" cy="1014060"/>
+          </a:xfrm>
+          <a:prstGeom prst="triangle">
+            <a:avLst>
+              <a:gd name="adj" fmla="val 50000"/>
+            </a:avLst>
+          </a:prstGeom>
+          <a:solidFill>
+            <a:schemeClr val="accent1">
+              <a:alpha val="30000"/>
+            </a:schemeClr>
+          </a:solidFill>
+          <a:ln>
+            <a:noFill/>
+          </a:ln>
+        </p:spPr>
+        <p:style>
+          <a:lnRef idx="2">
+            <a:schemeClr val="accent1">
+              <a:shade val="50000"/>
+            </a:schemeClr>
+          </a:lnRef>
+          <a:fillRef idx="1">
+            <a:schemeClr val="accent1"/>
+          </a:fillRef>
+          <a:effectRef idx="0">
+            <a:schemeClr val="accent1"/>
+          </a:effectRef>
+          <a:fontRef idx="minor">
+            <a:schemeClr val="lt1"/>
+          </a:fontRef>
+        </p:style>
+        <p:txBody>
+          <a:bodyPr wrap="square" rtlCol="0" anchor="ctr">
+            <a:noAutofit/>
+          </a:bodyPr>
+          <a:lstStyle/>
+          <a:p>
+            <a:pPr algn="ctr"/>
+            <a:endParaRPr lang="en-US"/>
+          </a:p>
+        </p:txBody>
+      </p:sp>
+      <p:sp>
+        <p:nvSpPr>
+          <p:cNvPr id="16" name="Rectangle 15">
+            <a:extLst>
+              <a:ext uri="{FF2B5EF4-FFF2-40B4-BE49-F238E27FC236}">
+                <a16:creationId xmlns:a16="http://schemas.microsoft.com/office/drawing/2014/main" id="{1E547BA6-BAE0-43BB-A7CA-60F69CE252F0}"/>
+              </a:ext>
+              <a:ext uri="{C183D7F6-B498-43B3-948B-1728B52AA6E4}">
+                <adec:decorative xmlns:adec="http://schemas.microsoft.com/office/drawing/2017/decorative" val="1"/>
+              </a:ext>
+            </a:extLst>
+          </p:cNvPr>
+          <p:cNvSpPr>
+            <a:spLocks noGrp="1" noRot="1" noChangeAspect="1" noMove="1" noResize="1" noEditPoints="1" noAdjustHandles="1" noChangeArrowheads="1" noChangeShapeType="1" noTextEdit="1"/>
+          </p:cNvSpPr>
+          <p:nvPr>
+            <p:extLst>
+              <p:ext uri="{386F3935-93C4-4BCD-93E2-E3B085C9AB24}">
+                <p16:designElem xmlns:p16="http://schemas.microsoft.com/office/powerpoint/2015/main" val="1"/>
+              </p:ext>
+            </p:extLst>
+          </p:nvPr>
+        </p:nvSpPr>
+        <p:spPr>
+          <a:xfrm rot="2700000">
+            <a:off x="427916" y="5728708"/>
+            <a:ext cx="485578" cy="485578"/>
+          </a:xfrm>
+          <a:prstGeom prst="rect">
+            <a:avLst/>
+          </a:prstGeom>
+          <a:solidFill>
+            <a:schemeClr val="accent1">
+              <a:alpha val="30000"/>
+            </a:schemeClr>
+          </a:solidFill>
+          <a:ln>
+            <a:noFill/>
+          </a:ln>
+        </p:spPr>
+        <p:style>
+          <a:lnRef idx="2">
+            <a:schemeClr val="accent1">
+              <a:shade val="50000"/>
+            </a:schemeClr>
+          </a:lnRef>
+          <a:fillRef idx="1">
+            <a:schemeClr val="accent1"/>
+          </a:fillRef>
+          <a:effectRef idx="0">
+            <a:schemeClr val="accent1"/>
+          </a:effectRef>
+          <a:fontRef idx="minor">
+            <a:schemeClr val="lt1"/>
+          </a:fontRef>
+        </p:style>
+        <p:txBody>
+          <a:bodyPr wrap="square" rtlCol="0" anchor="ctr">
+            <a:noAutofit/>
+          </a:bodyPr>
+          <a:lstStyle/>
+          <a:p>
+            <a:pPr algn="ctr"/>
+            <a:endParaRPr lang="en-US"/>
+          </a:p>
+        </p:txBody>
+      </p:sp>
+    </p:spTree>
+    <p:extLst>
+      <p:ext uri="{BB962C8B-B14F-4D97-AF65-F5344CB8AC3E}">
+        <p14:creationId xmlns:p14="http://schemas.microsoft.com/office/powerpoint/2010/main" val="1807398816"/>
+      </p:ext>
+    </p:extLst>
+  </p:cSld>
+  <p:clrMapOvr>
+    <a:masterClrMapping/>
+  </p:clrMapOvr>
+</p:sld>
+</file>
+
+<file path=ppt/slides/slide12.xml><?xml version="1.0" encoding="utf-8"?>
+<p:sld xmlns:a="http://schemas.openxmlformats.org/drawingml/2006/main" xmlns:r="http://schemas.openxmlformats.org/officeDocument/2006/relationships" xmlns:p="http://schemas.openxmlformats.org/presentationml/2006/main">
+  <p:cSld>
+    <p:bg>
+      <p:bgPr>
+        <a:solidFill>
+          <a:schemeClr val="bg1"/>
+        </a:solidFill>
+        <a:effectLst/>
+      </p:bgPr>
+    </p:bg>
+    <p:spTree>
+      <p:nvGrpSpPr>
+        <p:cNvPr id="1" name=""/>
+        <p:cNvGrpSpPr/>
+        <p:nvPr/>
+      </p:nvGrpSpPr>
+      <p:grpSpPr>
+        <a:xfrm>
+          <a:off x="0" y="0"/>
+          <a:ext cx="0" cy="0"/>
+          <a:chOff x="0" y="0"/>
+          <a:chExt cx="0" cy="0"/>
+        </a:xfrm>
+      </p:grpSpPr>
+      <p:sp>
+        <p:nvSpPr>
+          <p:cNvPr id="8" name="Rectangle 7">
+            <a:extLst>
+              <a:ext uri="{FF2B5EF4-FFF2-40B4-BE49-F238E27FC236}">
+                <a16:creationId xmlns:a16="http://schemas.microsoft.com/office/drawing/2014/main" id="{2B566528-1B12-4246-9431-5C2D7D081168}"/>
+              </a:ext>
+              <a:ext uri="{C183D7F6-B498-43B3-948B-1728B52AA6E4}">
+                <adec:decorative xmlns:adec="http://schemas.microsoft.com/office/drawing/2017/decorative" val="1"/>
+              </a:ext>
+            </a:extLst>
+          </p:cNvPr>
+          <p:cNvSpPr>
+            <a:spLocks noGrp="1" noRot="1" noChangeAspect="1" noMove="1" noResize="1" noEditPoints="1" noAdjustHandles="1" noChangeArrowheads="1" noChangeShapeType="1" noTextEdit="1"/>
+          </p:cNvSpPr>
+          <p:nvPr>
+            <p:extLst>
+              <p:ext uri="{386F3935-93C4-4BCD-93E2-E3B085C9AB24}">
+                <p16:designElem xmlns:p16="http://schemas.microsoft.com/office/powerpoint/2015/main" val="1"/>
+              </p:ext>
+            </p:extLst>
+          </p:nvPr>
+        </p:nvSpPr>
+        <p:spPr>
+          <a:xfrm>
+            <a:off x="0" y="0"/>
+            <a:ext cx="12192000" cy="6858000"/>
+          </a:xfrm>
+          <a:prstGeom prst="rect">
+            <a:avLst/>
+          </a:prstGeom>
+          <a:solidFill>
+            <a:schemeClr val="bg1"/>
+          </a:solidFill>
+          <a:ln>
+            <a:noFill/>
+          </a:ln>
+        </p:spPr>
+        <p:style>
+          <a:lnRef idx="2">
+            <a:schemeClr val="accent1">
+              <a:shade val="50000"/>
+            </a:schemeClr>
+          </a:lnRef>
+          <a:fillRef idx="1">
+            <a:schemeClr val="accent1"/>
+          </a:fillRef>
+          <a:effectRef idx="0">
+            <a:schemeClr val="accent1"/>
+          </a:effectRef>
+          <a:fontRef idx="minor">
+            <a:schemeClr val="lt1"/>
+          </a:fontRef>
+        </p:style>
+        <p:txBody>
+          <a:bodyPr rtlCol="0" anchor="ctr"/>
+          <a:lstStyle/>
+          <a:p>
+            <a:pPr algn="ctr"/>
+            <a:endParaRPr lang="en-US" dirty="0"/>
+          </a:p>
+        </p:txBody>
+      </p:sp>
+      <p:sp>
+        <p:nvSpPr>
+          <p:cNvPr id="2" name="Title 1">
+            <a:extLst>
+              <a:ext uri="{FF2B5EF4-FFF2-40B4-BE49-F238E27FC236}">
                 <a16:creationId xmlns:a16="http://schemas.microsoft.com/office/drawing/2014/main" id="{B133122C-3E2C-49AC-9926-45054A685900}"/>
               </a:ext>
             </a:extLst>
@@ -5492,7 +5965,7 @@
 </p:sld>
 </file>
 
-<file path=ppt/slides/slide12.xml><?xml version="1.0" encoding="utf-8"?>
+<file path=ppt/slides/slide13.xml><?xml version="1.0" encoding="utf-8"?>
 <p:sld xmlns:a="http://schemas.openxmlformats.org/drawingml/2006/main" xmlns:r="http://schemas.openxmlformats.org/officeDocument/2006/relationships" xmlns:p="http://schemas.openxmlformats.org/presentationml/2006/main">
   <p:cSld>
     <p:spTree>
@@ -6664,6 +7137,1259 @@
 </file>
 
 <file path=ppt/slides/slide4.xml><?xml version="1.0" encoding="utf-8"?>
+<p:sld xmlns:a="http://schemas.openxmlformats.org/drawingml/2006/main" xmlns:r="http://schemas.openxmlformats.org/officeDocument/2006/relationships" xmlns:p="http://schemas.openxmlformats.org/presentationml/2006/main">
+  <p:cSld>
+    <p:bg>
+      <p:bgPr>
+        <a:solidFill>
+          <a:schemeClr val="bg1"/>
+        </a:solidFill>
+        <a:effectLst/>
+      </p:bgPr>
+    </p:bg>
+    <p:spTree>
+      <p:nvGrpSpPr>
+        <p:cNvPr id="1" name=""/>
+        <p:cNvGrpSpPr/>
+        <p:nvPr/>
+      </p:nvGrpSpPr>
+      <p:grpSpPr>
+        <a:xfrm>
+          <a:off x="0" y="0"/>
+          <a:ext cx="0" cy="0"/>
+          <a:chOff x="0" y="0"/>
+          <a:chExt cx="0" cy="0"/>
+        </a:xfrm>
+      </p:grpSpPr>
+      <p:sp>
+        <p:nvSpPr>
+          <p:cNvPr id="8" name="Rectangle 7">
+            <a:extLst>
+              <a:ext uri="{FF2B5EF4-FFF2-40B4-BE49-F238E27FC236}">
+                <a16:creationId xmlns:a16="http://schemas.microsoft.com/office/drawing/2014/main" id="{2B566528-1B12-4246-9431-5C2D7D081168}"/>
+              </a:ext>
+              <a:ext uri="{C183D7F6-B498-43B3-948B-1728B52AA6E4}">
+                <adec:decorative xmlns:adec="http://schemas.microsoft.com/office/drawing/2017/decorative" val="1"/>
+              </a:ext>
+            </a:extLst>
+          </p:cNvPr>
+          <p:cNvSpPr>
+            <a:spLocks noGrp="1" noRot="1" noChangeAspect="1" noMove="1" noResize="1" noEditPoints="1" noAdjustHandles="1" noChangeArrowheads="1" noChangeShapeType="1" noTextEdit="1"/>
+          </p:cNvSpPr>
+          <p:nvPr>
+            <p:extLst>
+              <p:ext uri="{386F3935-93C4-4BCD-93E2-E3B085C9AB24}">
+                <p16:designElem xmlns:p16="http://schemas.microsoft.com/office/powerpoint/2015/main" val="1"/>
+              </p:ext>
+            </p:extLst>
+          </p:nvPr>
+        </p:nvSpPr>
+        <p:spPr>
+          <a:xfrm>
+            <a:off x="0" y="0"/>
+            <a:ext cx="12192000" cy="6858000"/>
+          </a:xfrm>
+          <a:prstGeom prst="rect">
+            <a:avLst/>
+          </a:prstGeom>
+          <a:solidFill>
+            <a:schemeClr val="bg1"/>
+          </a:solidFill>
+          <a:ln>
+            <a:noFill/>
+          </a:ln>
+        </p:spPr>
+        <p:style>
+          <a:lnRef idx="2">
+            <a:schemeClr val="accent1">
+              <a:shade val="50000"/>
+            </a:schemeClr>
+          </a:lnRef>
+          <a:fillRef idx="1">
+            <a:schemeClr val="accent1"/>
+          </a:fillRef>
+          <a:effectRef idx="0">
+            <a:schemeClr val="accent1"/>
+          </a:effectRef>
+          <a:fontRef idx="minor">
+            <a:schemeClr val="lt1"/>
+          </a:fontRef>
+        </p:style>
+        <p:txBody>
+          <a:bodyPr rtlCol="0" anchor="ctr"/>
+          <a:lstStyle/>
+          <a:p>
+            <a:pPr algn="ctr"/>
+            <a:endParaRPr lang="en-US" dirty="0"/>
+          </a:p>
+        </p:txBody>
+      </p:sp>
+      <p:sp>
+        <p:nvSpPr>
+          <p:cNvPr id="2" name="Title 1">
+            <a:extLst>
+              <a:ext uri="{FF2B5EF4-FFF2-40B4-BE49-F238E27FC236}">
+                <a16:creationId xmlns:a16="http://schemas.microsoft.com/office/drawing/2014/main" id="{DA7AED75-39A4-43E3-B10C-0508BAC3CA0C}"/>
+              </a:ext>
+            </a:extLst>
+          </p:cNvPr>
+          <p:cNvSpPr>
+            <a:spLocks noGrp="1"/>
+          </p:cNvSpPr>
+          <p:nvPr>
+            <p:ph type="title"/>
+          </p:nvPr>
+        </p:nvSpPr>
+        <p:spPr>
+          <a:xfrm>
+            <a:off x="643467" y="321734"/>
+            <a:ext cx="10905066" cy="1135737"/>
+          </a:xfrm>
+        </p:spPr>
+        <p:txBody>
+          <a:bodyPr>
+            <a:normAutofit/>
+          </a:bodyPr>
+          <a:lstStyle/>
+          <a:p>
+            <a:r>
+              <a:rPr lang="en-US" sz="3600" dirty="0"/>
+              <a:t>Data Format</a:t>
+            </a:r>
+            <a:endParaRPr lang="en-SG" sz="3600" dirty="0"/>
+          </a:p>
+        </p:txBody>
+      </p:sp>
+      <p:sp>
+        <p:nvSpPr>
+          <p:cNvPr id="10" name="Rectangle 9">
+            <a:extLst>
+              <a:ext uri="{FF2B5EF4-FFF2-40B4-BE49-F238E27FC236}">
+                <a16:creationId xmlns:a16="http://schemas.microsoft.com/office/drawing/2014/main" id="{2E80C965-DB6D-4F81-9E9E-B027384D0BD6}"/>
+              </a:ext>
+              <a:ext uri="{C183D7F6-B498-43B3-948B-1728B52AA6E4}">
+                <adec:decorative xmlns:adec="http://schemas.microsoft.com/office/drawing/2017/decorative" val="1"/>
+              </a:ext>
+            </a:extLst>
+          </p:cNvPr>
+          <p:cNvSpPr>
+            <a:spLocks noGrp="1" noRot="1" noChangeAspect="1" noMove="1" noResize="1" noEditPoints="1" noAdjustHandles="1" noChangeArrowheads="1" noChangeShapeType="1" noTextEdit="1"/>
+          </p:cNvSpPr>
+          <p:nvPr>
+            <p:extLst>
+              <p:ext uri="{386F3935-93C4-4BCD-93E2-E3B085C9AB24}">
+                <p16:designElem xmlns:p16="http://schemas.microsoft.com/office/powerpoint/2015/main" val="1"/>
+              </p:ext>
+            </p:extLst>
+          </p:nvPr>
+        </p:nvSpPr>
+        <p:spPr>
+          <a:xfrm rot="2700000">
+            <a:off x="11052629" y="2120024"/>
+            <a:ext cx="645368" cy="645368"/>
+          </a:xfrm>
+          <a:prstGeom prst="rect">
+            <a:avLst/>
+          </a:prstGeom>
+          <a:solidFill>
+            <a:schemeClr val="accent4">
+              <a:alpha val="30000"/>
+            </a:schemeClr>
+          </a:solidFill>
+          <a:ln>
+            <a:noFill/>
+          </a:ln>
+        </p:spPr>
+        <p:style>
+          <a:lnRef idx="2">
+            <a:schemeClr val="accent1">
+              <a:shade val="50000"/>
+            </a:schemeClr>
+          </a:lnRef>
+          <a:fillRef idx="1">
+            <a:schemeClr val="accent1"/>
+          </a:fillRef>
+          <a:effectRef idx="0">
+            <a:schemeClr val="accent1"/>
+          </a:effectRef>
+          <a:fontRef idx="minor">
+            <a:schemeClr val="lt1"/>
+          </a:fontRef>
+        </p:style>
+        <p:txBody>
+          <a:bodyPr rtlCol="0" anchor="ctr"/>
+          <a:lstStyle/>
+          <a:p>
+            <a:pPr algn="ctr"/>
+            <a:endParaRPr lang="en-US"/>
+          </a:p>
+        </p:txBody>
+      </p:sp>
+      <p:sp>
+        <p:nvSpPr>
+          <p:cNvPr id="12" name="Isosceles Triangle 11">
+            <a:extLst>
+              <a:ext uri="{FF2B5EF4-FFF2-40B4-BE49-F238E27FC236}">
+                <a16:creationId xmlns:a16="http://schemas.microsoft.com/office/drawing/2014/main" id="{A580F890-B085-4E95-96AA-55AEBEC5CE6E}"/>
+              </a:ext>
+              <a:ext uri="{C183D7F6-B498-43B3-948B-1728B52AA6E4}">
+                <adec:decorative xmlns:adec="http://schemas.microsoft.com/office/drawing/2017/decorative" val="1"/>
+              </a:ext>
+            </a:extLst>
+          </p:cNvPr>
+          <p:cNvSpPr>
+            <a:spLocks noGrp="1" noRot="1" noChangeAspect="1" noMove="1" noResize="1" noEditPoints="1" noAdjustHandles="1" noChangeArrowheads="1" noChangeShapeType="1" noTextEdit="1"/>
+          </p:cNvSpPr>
+          <p:nvPr>
+            <p:extLst>
+              <p:ext uri="{386F3935-93C4-4BCD-93E2-E3B085C9AB24}">
+                <p16:designElem xmlns:p16="http://schemas.microsoft.com/office/powerpoint/2015/main" val="1"/>
+              </p:ext>
+            </p:extLst>
+          </p:nvPr>
+        </p:nvSpPr>
+        <p:spPr>
+          <a:xfrm rot="16200000">
+            <a:off x="10289068" y="1343027"/>
+            <a:ext cx="2532832" cy="1273032"/>
+          </a:xfrm>
+          <a:prstGeom prst="triangle">
+            <a:avLst>
+              <a:gd name="adj" fmla="val 50000"/>
+            </a:avLst>
+          </a:prstGeom>
+          <a:solidFill>
+            <a:schemeClr val="accent4">
+              <a:alpha val="30000"/>
+            </a:schemeClr>
+          </a:solidFill>
+          <a:ln>
+            <a:noFill/>
+          </a:ln>
+        </p:spPr>
+        <p:style>
+          <a:lnRef idx="2">
+            <a:schemeClr val="accent1">
+              <a:shade val="50000"/>
+            </a:schemeClr>
+          </a:lnRef>
+          <a:fillRef idx="1">
+            <a:schemeClr val="accent1"/>
+          </a:fillRef>
+          <a:effectRef idx="0">
+            <a:schemeClr val="accent1"/>
+          </a:effectRef>
+          <a:fontRef idx="minor">
+            <a:schemeClr val="lt1"/>
+          </a:fontRef>
+        </p:style>
+        <p:txBody>
+          <a:bodyPr rtlCol="0" anchor="ctr"/>
+          <a:lstStyle/>
+          <a:p>
+            <a:pPr algn="ctr"/>
+            <a:endParaRPr lang="en-US"/>
+          </a:p>
+        </p:txBody>
+      </p:sp>
+      <p:sp>
+        <p:nvSpPr>
+          <p:cNvPr id="14" name="Isosceles Triangle 13">
+            <a:extLst>
+              <a:ext uri="{FF2B5EF4-FFF2-40B4-BE49-F238E27FC236}">
+                <a16:creationId xmlns:a16="http://schemas.microsoft.com/office/drawing/2014/main" id="{D3F51FEB-38FB-4F6C-9F7B-2F2AFAB65463}"/>
+              </a:ext>
+              <a:ext uri="{C183D7F6-B498-43B3-948B-1728B52AA6E4}">
+                <adec:decorative xmlns:adec="http://schemas.microsoft.com/office/drawing/2017/decorative" val="1"/>
+              </a:ext>
+            </a:extLst>
+          </p:cNvPr>
+          <p:cNvSpPr>
+            <a:spLocks noGrp="1" noRot="1" noChangeAspect="1" noMove="1" noResize="1" noEditPoints="1" noAdjustHandles="1" noChangeArrowheads="1" noChangeShapeType="1" noTextEdit="1"/>
+          </p:cNvSpPr>
+          <p:nvPr>
+            <p:extLst>
+              <p:ext uri="{386F3935-93C4-4BCD-93E2-E3B085C9AB24}">
+                <p16:designElem xmlns:p16="http://schemas.microsoft.com/office/powerpoint/2015/main" val="1"/>
+              </p:ext>
+            </p:extLst>
+          </p:nvPr>
+        </p:nvSpPr>
+        <p:spPr>
+          <a:xfrm rot="5400000">
+            <a:off x="-501760" y="5103257"/>
+            <a:ext cx="2017580" cy="1014060"/>
+          </a:xfrm>
+          <a:prstGeom prst="triangle">
+            <a:avLst>
+              <a:gd name="adj" fmla="val 50000"/>
+            </a:avLst>
+          </a:prstGeom>
+          <a:solidFill>
+            <a:schemeClr val="accent1">
+              <a:alpha val="30000"/>
+            </a:schemeClr>
+          </a:solidFill>
+          <a:ln>
+            <a:noFill/>
+          </a:ln>
+        </p:spPr>
+        <p:style>
+          <a:lnRef idx="2">
+            <a:schemeClr val="accent1">
+              <a:shade val="50000"/>
+            </a:schemeClr>
+          </a:lnRef>
+          <a:fillRef idx="1">
+            <a:schemeClr val="accent1"/>
+          </a:fillRef>
+          <a:effectRef idx="0">
+            <a:schemeClr val="accent1"/>
+          </a:effectRef>
+          <a:fontRef idx="minor">
+            <a:schemeClr val="lt1"/>
+          </a:fontRef>
+        </p:style>
+        <p:txBody>
+          <a:bodyPr wrap="square" rtlCol="0" anchor="ctr">
+            <a:noAutofit/>
+          </a:bodyPr>
+          <a:lstStyle/>
+          <a:p>
+            <a:pPr algn="ctr"/>
+            <a:endParaRPr lang="en-US"/>
+          </a:p>
+        </p:txBody>
+      </p:sp>
+      <p:sp>
+        <p:nvSpPr>
+          <p:cNvPr id="16" name="Rectangle 15">
+            <a:extLst>
+              <a:ext uri="{FF2B5EF4-FFF2-40B4-BE49-F238E27FC236}">
+                <a16:creationId xmlns:a16="http://schemas.microsoft.com/office/drawing/2014/main" id="{1E547BA6-BAE0-43BB-A7CA-60F69CE252F0}"/>
+              </a:ext>
+              <a:ext uri="{C183D7F6-B498-43B3-948B-1728B52AA6E4}">
+                <adec:decorative xmlns:adec="http://schemas.microsoft.com/office/drawing/2017/decorative" val="1"/>
+              </a:ext>
+            </a:extLst>
+          </p:cNvPr>
+          <p:cNvSpPr>
+            <a:spLocks noGrp="1" noRot="1" noChangeAspect="1" noMove="1" noResize="1" noEditPoints="1" noAdjustHandles="1" noChangeArrowheads="1" noChangeShapeType="1" noTextEdit="1"/>
+          </p:cNvSpPr>
+          <p:nvPr>
+            <p:extLst>
+              <p:ext uri="{386F3935-93C4-4BCD-93E2-E3B085C9AB24}">
+                <p16:designElem xmlns:p16="http://schemas.microsoft.com/office/powerpoint/2015/main" val="1"/>
+              </p:ext>
+            </p:extLst>
+          </p:nvPr>
+        </p:nvSpPr>
+        <p:spPr>
+          <a:xfrm rot="2700000">
+            <a:off x="427916" y="5728708"/>
+            <a:ext cx="485578" cy="485578"/>
+          </a:xfrm>
+          <a:prstGeom prst="rect">
+            <a:avLst/>
+          </a:prstGeom>
+          <a:solidFill>
+            <a:schemeClr val="accent1">
+              <a:alpha val="30000"/>
+            </a:schemeClr>
+          </a:solidFill>
+          <a:ln>
+            <a:noFill/>
+          </a:ln>
+        </p:spPr>
+        <p:style>
+          <a:lnRef idx="2">
+            <a:schemeClr val="accent1">
+              <a:shade val="50000"/>
+            </a:schemeClr>
+          </a:lnRef>
+          <a:fillRef idx="1">
+            <a:schemeClr val="accent1"/>
+          </a:fillRef>
+          <a:effectRef idx="0">
+            <a:schemeClr val="accent1"/>
+          </a:effectRef>
+          <a:fontRef idx="minor">
+            <a:schemeClr val="lt1"/>
+          </a:fontRef>
+        </p:style>
+        <p:txBody>
+          <a:bodyPr wrap="square" rtlCol="0" anchor="ctr">
+            <a:noAutofit/>
+          </a:bodyPr>
+          <a:lstStyle/>
+          <a:p>
+            <a:pPr algn="ctr"/>
+            <a:endParaRPr lang="en-US"/>
+          </a:p>
+        </p:txBody>
+      </p:sp>
+      <p:graphicFrame>
+        <p:nvGraphicFramePr>
+          <p:cNvPr id="7" name="Table 8">
+            <a:extLst>
+              <a:ext uri="{FF2B5EF4-FFF2-40B4-BE49-F238E27FC236}">
+                <a16:creationId xmlns:a16="http://schemas.microsoft.com/office/drawing/2014/main" id="{DC00CD46-3D21-133A-1F11-CF80214CAE55}"/>
+              </a:ext>
+            </a:extLst>
+          </p:cNvPr>
+          <p:cNvGraphicFramePr>
+            <a:graphicFrameLocks noGrp="1"/>
+          </p:cNvGraphicFramePr>
+          <p:nvPr>
+            <p:extLst>
+              <p:ext uri="{D42A27DB-BD31-4B8C-83A1-F6EECF244321}">
+                <p14:modId xmlns:p14="http://schemas.microsoft.com/office/powerpoint/2010/main" val="1317038406"/>
+              </p:ext>
+            </p:extLst>
+          </p:nvPr>
+        </p:nvGraphicFramePr>
+        <p:xfrm>
+          <a:off x="2032001" y="1979543"/>
+          <a:ext cx="9146862" cy="950903"/>
+        </p:xfrm>
+        <a:graphic>
+          <a:graphicData uri="http://schemas.openxmlformats.org/drawingml/2006/table">
+            <a:tbl>
+              <a:tblPr firstRow="1" bandRow="1">
+                <a:tableStyleId>{5C22544A-7EE6-4342-B048-85BDC9FD1C3A}</a:tableStyleId>
+              </a:tblPr>
+              <a:tblGrid>
+                <a:gridCol w="1203474">
+                  <a:extLst>
+                    <a:ext uri="{9D8B030D-6E8A-4147-A177-3AD203B41FA5}">
+                      <a16:colId xmlns:a16="http://schemas.microsoft.com/office/drawing/2014/main" val="2375855400"/>
+                    </a:ext>
+                  </a:extLst>
+                </a:gridCol>
+                <a:gridCol w="866501">
+                  <a:extLst>
+                    <a:ext uri="{9D8B030D-6E8A-4147-A177-3AD203B41FA5}">
+                      <a16:colId xmlns:a16="http://schemas.microsoft.com/office/drawing/2014/main" val="519343612"/>
+                    </a:ext>
+                  </a:extLst>
+                </a:gridCol>
+                <a:gridCol w="1534945">
+                  <a:extLst>
+                    <a:ext uri="{9D8B030D-6E8A-4147-A177-3AD203B41FA5}">
+                      <a16:colId xmlns:a16="http://schemas.microsoft.com/office/drawing/2014/main" val="3613015859"/>
+                    </a:ext>
+                  </a:extLst>
+                </a:gridCol>
+                <a:gridCol w="1374023">
+                  <a:extLst>
+                    <a:ext uri="{9D8B030D-6E8A-4147-A177-3AD203B41FA5}">
+                      <a16:colId xmlns:a16="http://schemas.microsoft.com/office/drawing/2014/main" val="1981178885"/>
+                    </a:ext>
+                  </a:extLst>
+                </a:gridCol>
+                <a:gridCol w="1231535">
+                  <a:extLst>
+                    <a:ext uri="{9D8B030D-6E8A-4147-A177-3AD203B41FA5}">
+                      <a16:colId xmlns:a16="http://schemas.microsoft.com/office/drawing/2014/main" val="2836965044"/>
+                    </a:ext>
+                  </a:extLst>
+                </a:gridCol>
+                <a:gridCol w="1365160">
+                  <a:extLst>
+                    <a:ext uri="{9D8B030D-6E8A-4147-A177-3AD203B41FA5}">
+                      <a16:colId xmlns:a16="http://schemas.microsoft.com/office/drawing/2014/main" val="460322425"/>
+                    </a:ext>
+                  </a:extLst>
+                </a:gridCol>
+                <a:gridCol w="1571224">
+                  <a:extLst>
+                    <a:ext uri="{9D8B030D-6E8A-4147-A177-3AD203B41FA5}">
+                      <a16:colId xmlns:a16="http://schemas.microsoft.com/office/drawing/2014/main" val="2185329008"/>
+                    </a:ext>
+                  </a:extLst>
+                </a:gridCol>
+              </a:tblGrid>
+              <a:tr h="585143">
+                <a:tc>
+                  <a:txBody>
+                    <a:bodyPr/>
+                    <a:lstStyle/>
+                    <a:p>
+                      <a:r>
+                        <a:rPr lang="en-US" dirty="0" err="1"/>
+                        <a:t>Store_nbr</a:t>
+                      </a:r>
+                      <a:endParaRPr lang="en-SG" dirty="0"/>
+                    </a:p>
+                  </a:txBody>
+                  <a:tcPr/>
+                </a:tc>
+                <a:tc>
+                  <a:txBody>
+                    <a:bodyPr/>
+                    <a:lstStyle/>
+                    <a:p>
+                      <a:r>
+                        <a:rPr lang="en-US" dirty="0"/>
+                        <a:t>family</a:t>
+                      </a:r>
+                      <a:endParaRPr lang="en-SG" dirty="0"/>
+                    </a:p>
+                  </a:txBody>
+                  <a:tcPr/>
+                </a:tc>
+                <a:tc>
+                  <a:txBody>
+                    <a:bodyPr/>
+                    <a:lstStyle/>
+                    <a:p>
+                      <a:r>
+                        <a:rPr lang="en-US" dirty="0" err="1"/>
+                        <a:t>onpromotion</a:t>
+                      </a:r>
+                      <a:endParaRPr lang="en-SG" dirty="0"/>
+                    </a:p>
+                  </a:txBody>
+                  <a:tcPr/>
+                </a:tc>
+                <a:tc>
+                  <a:txBody>
+                    <a:bodyPr/>
+                    <a:lstStyle/>
+                    <a:p>
+                      <a:r>
+                        <a:rPr lang="en-US" dirty="0" err="1"/>
+                        <a:t>Store_state</a:t>
+                      </a:r>
+                      <a:endParaRPr lang="en-SG" dirty="0"/>
+                    </a:p>
+                  </a:txBody>
+                  <a:tcPr/>
+                </a:tc>
+                <a:tc>
+                  <a:txBody>
+                    <a:bodyPr/>
+                    <a:lstStyle/>
+                    <a:p>
+                      <a:r>
+                        <a:rPr lang="en-US" dirty="0" err="1"/>
+                        <a:t>Store_city</a:t>
+                      </a:r>
+                      <a:endParaRPr lang="en-SG" dirty="0"/>
+                    </a:p>
+                  </a:txBody>
+                  <a:tcPr/>
+                </a:tc>
+                <a:tc>
+                  <a:txBody>
+                    <a:bodyPr/>
+                    <a:lstStyle/>
+                    <a:p>
+                      <a:r>
+                        <a:rPr lang="en-US" dirty="0" err="1"/>
+                        <a:t>Store_type</a:t>
+                      </a:r>
+                      <a:endParaRPr lang="en-SG" dirty="0"/>
+                    </a:p>
+                  </a:txBody>
+                  <a:tcPr/>
+                </a:tc>
+                <a:tc>
+                  <a:txBody>
+                    <a:bodyPr/>
+                    <a:lstStyle/>
+                    <a:p>
+                      <a:r>
+                        <a:rPr lang="en-US" dirty="0" err="1"/>
+                        <a:t>Store_cluster</a:t>
+                      </a:r>
+                      <a:endParaRPr lang="en-SG" dirty="0"/>
+                    </a:p>
+                  </a:txBody>
+                  <a:tcPr/>
+                </a:tc>
+                <a:extLst>
+                  <a:ext uri="{0D108BD9-81ED-4DB2-BD59-A6C34878D82A}">
+                    <a16:rowId xmlns:a16="http://schemas.microsoft.com/office/drawing/2014/main" val="244374388"/>
+                  </a:ext>
+                </a:extLst>
+              </a:tr>
+              <a:tr h="334367">
+                <a:tc>
+                  <a:txBody>
+                    <a:bodyPr/>
+                    <a:lstStyle/>
+                    <a:p>
+                      <a:endParaRPr lang="en-SG" dirty="0"/>
+                    </a:p>
+                  </a:txBody>
+                  <a:tcPr/>
+                </a:tc>
+                <a:tc>
+                  <a:txBody>
+                    <a:bodyPr/>
+                    <a:lstStyle/>
+                    <a:p>
+                      <a:endParaRPr lang="en-SG"/>
+                    </a:p>
+                  </a:txBody>
+                  <a:tcPr/>
+                </a:tc>
+                <a:tc>
+                  <a:txBody>
+                    <a:bodyPr/>
+                    <a:lstStyle/>
+                    <a:p>
+                      <a:endParaRPr lang="en-SG"/>
+                    </a:p>
+                  </a:txBody>
+                  <a:tcPr/>
+                </a:tc>
+                <a:tc>
+                  <a:txBody>
+                    <a:bodyPr/>
+                    <a:lstStyle/>
+                    <a:p>
+                      <a:endParaRPr lang="en-SG"/>
+                    </a:p>
+                  </a:txBody>
+                  <a:tcPr/>
+                </a:tc>
+                <a:tc>
+                  <a:txBody>
+                    <a:bodyPr/>
+                    <a:lstStyle/>
+                    <a:p>
+                      <a:endParaRPr lang="en-SG"/>
+                    </a:p>
+                  </a:txBody>
+                  <a:tcPr/>
+                </a:tc>
+                <a:tc>
+                  <a:txBody>
+                    <a:bodyPr/>
+                    <a:lstStyle/>
+                    <a:p>
+                      <a:endParaRPr lang="en-SG"/>
+                    </a:p>
+                  </a:txBody>
+                  <a:tcPr/>
+                </a:tc>
+                <a:tc>
+                  <a:txBody>
+                    <a:bodyPr/>
+                    <a:lstStyle/>
+                    <a:p>
+                      <a:endParaRPr lang="en-SG" dirty="0"/>
+                    </a:p>
+                  </a:txBody>
+                  <a:tcPr/>
+                </a:tc>
+                <a:extLst>
+                  <a:ext uri="{0D108BD9-81ED-4DB2-BD59-A6C34878D82A}">
+                    <a16:rowId xmlns:a16="http://schemas.microsoft.com/office/drawing/2014/main" val="1447076399"/>
+                  </a:ext>
+                </a:extLst>
+              </a:tr>
+            </a:tbl>
+          </a:graphicData>
+        </a:graphic>
+      </p:graphicFrame>
+      <p:graphicFrame>
+        <p:nvGraphicFramePr>
+          <p:cNvPr id="9" name="Table 10">
+            <a:extLst>
+              <a:ext uri="{FF2B5EF4-FFF2-40B4-BE49-F238E27FC236}">
+                <a16:creationId xmlns:a16="http://schemas.microsoft.com/office/drawing/2014/main" id="{259B65F5-0321-56B6-3755-CA922C0E7F4C}"/>
+              </a:ext>
+            </a:extLst>
+          </p:cNvPr>
+          <p:cNvGraphicFramePr>
+            <a:graphicFrameLocks noGrp="1"/>
+          </p:cNvGraphicFramePr>
+          <p:nvPr>
+            <p:extLst>
+              <p:ext uri="{D42A27DB-BD31-4B8C-83A1-F6EECF244321}">
+                <p14:modId xmlns:p14="http://schemas.microsoft.com/office/powerpoint/2010/main" val="68623747"/>
+              </p:ext>
+            </p:extLst>
+          </p:nvPr>
+        </p:nvGraphicFramePr>
+        <p:xfrm>
+          <a:off x="627774" y="1986363"/>
+          <a:ext cx="1273032" cy="741680"/>
+        </p:xfrm>
+        <a:graphic>
+          <a:graphicData uri="http://schemas.openxmlformats.org/drawingml/2006/table">
+            <a:tbl>
+              <a:tblPr firstRow="1" bandRow="1">
+                <a:tableStyleId>{073A0DAA-6AF3-43AB-8588-CEC1D06C72B9}</a:tableStyleId>
+              </a:tblPr>
+              <a:tblGrid>
+                <a:gridCol w="636516">
+                  <a:extLst>
+                    <a:ext uri="{9D8B030D-6E8A-4147-A177-3AD203B41FA5}">
+                      <a16:colId xmlns:a16="http://schemas.microsoft.com/office/drawing/2014/main" val="2978058397"/>
+                    </a:ext>
+                  </a:extLst>
+                </a:gridCol>
+                <a:gridCol w="636516">
+                  <a:extLst>
+                    <a:ext uri="{9D8B030D-6E8A-4147-A177-3AD203B41FA5}">
+                      <a16:colId xmlns:a16="http://schemas.microsoft.com/office/drawing/2014/main" val="2887941065"/>
+                    </a:ext>
+                  </a:extLst>
+                </a:gridCol>
+              </a:tblGrid>
+              <a:tr h="370840">
+                <a:tc>
+                  <a:txBody>
+                    <a:bodyPr/>
+                    <a:lstStyle/>
+                    <a:p>
+                      <a:r>
+                        <a:rPr lang="en-US" dirty="0"/>
+                        <a:t>id</a:t>
+                      </a:r>
+                      <a:endParaRPr lang="en-SG" dirty="0"/>
+                    </a:p>
+                  </a:txBody>
+                  <a:tcPr/>
+                </a:tc>
+                <a:tc>
+                  <a:txBody>
+                    <a:bodyPr/>
+                    <a:lstStyle/>
+                    <a:p>
+                      <a:r>
+                        <a:rPr lang="en-US" dirty="0"/>
+                        <a:t>date</a:t>
+                      </a:r>
+                      <a:endParaRPr lang="en-SG" dirty="0"/>
+                    </a:p>
+                  </a:txBody>
+                  <a:tcPr/>
+                </a:tc>
+                <a:extLst>
+                  <a:ext uri="{0D108BD9-81ED-4DB2-BD59-A6C34878D82A}">
+                    <a16:rowId xmlns:a16="http://schemas.microsoft.com/office/drawing/2014/main" val="1502664337"/>
+                  </a:ext>
+                </a:extLst>
+              </a:tr>
+              <a:tr h="370840">
+                <a:tc>
+                  <a:txBody>
+                    <a:bodyPr/>
+                    <a:lstStyle/>
+                    <a:p>
+                      <a:endParaRPr lang="en-SG"/>
+                    </a:p>
+                  </a:txBody>
+                  <a:tcPr/>
+                </a:tc>
+                <a:tc>
+                  <a:txBody>
+                    <a:bodyPr/>
+                    <a:lstStyle/>
+                    <a:p>
+                      <a:endParaRPr lang="en-SG" dirty="0"/>
+                    </a:p>
+                  </a:txBody>
+                  <a:tcPr/>
+                </a:tc>
+                <a:extLst>
+                  <a:ext uri="{0D108BD9-81ED-4DB2-BD59-A6C34878D82A}">
+                    <a16:rowId xmlns:a16="http://schemas.microsoft.com/office/drawing/2014/main" val="3480864192"/>
+                  </a:ext>
+                </a:extLst>
+              </a:tr>
+            </a:tbl>
+          </a:graphicData>
+        </a:graphic>
+      </p:graphicFrame>
+      <p:graphicFrame>
+        <p:nvGraphicFramePr>
+          <p:cNvPr id="15" name="Table 16">
+            <a:extLst>
+              <a:ext uri="{FF2B5EF4-FFF2-40B4-BE49-F238E27FC236}">
+                <a16:creationId xmlns:a16="http://schemas.microsoft.com/office/drawing/2014/main" id="{8E5131C2-ECD0-79ED-5DBE-0D82A20C7841}"/>
+              </a:ext>
+            </a:extLst>
+          </p:cNvPr>
+          <p:cNvGraphicFramePr>
+            <a:graphicFrameLocks noGrp="1"/>
+          </p:cNvGraphicFramePr>
+          <p:nvPr>
+            <p:extLst>
+              <p:ext uri="{D42A27DB-BD31-4B8C-83A1-F6EECF244321}">
+                <p14:modId xmlns:p14="http://schemas.microsoft.com/office/powerpoint/2010/main" val="3033526268"/>
+              </p:ext>
+            </p:extLst>
+          </p:nvPr>
+        </p:nvGraphicFramePr>
+        <p:xfrm>
+          <a:off x="2032001" y="3245959"/>
+          <a:ext cx="1973330" cy="737806"/>
+        </p:xfrm>
+        <a:graphic>
+          <a:graphicData uri="http://schemas.openxmlformats.org/drawingml/2006/table">
+            <a:tbl>
+              <a:tblPr firstRow="1" bandRow="1">
+                <a:tableStyleId>{93296810-A885-4BE3-A3E7-6D5BEEA58F35}</a:tableStyleId>
+              </a:tblPr>
+              <a:tblGrid>
+                <a:gridCol w="1973330">
+                  <a:extLst>
+                    <a:ext uri="{9D8B030D-6E8A-4147-A177-3AD203B41FA5}">
+                      <a16:colId xmlns:a16="http://schemas.microsoft.com/office/drawing/2014/main" val="535888118"/>
+                    </a:ext>
+                  </a:extLst>
+                </a:gridCol>
+              </a:tblGrid>
+              <a:tr h="368903">
+                <a:tc>
+                  <a:txBody>
+                    <a:bodyPr/>
+                    <a:lstStyle/>
+                    <a:p>
+                      <a:r>
+                        <a:rPr lang="en-US" dirty="0"/>
+                        <a:t>#transactions</a:t>
+                      </a:r>
+                      <a:endParaRPr lang="en-SG" dirty="0"/>
+                    </a:p>
+                  </a:txBody>
+                  <a:tcPr/>
+                </a:tc>
+                <a:extLst>
+                  <a:ext uri="{0D108BD9-81ED-4DB2-BD59-A6C34878D82A}">
+                    <a16:rowId xmlns:a16="http://schemas.microsoft.com/office/drawing/2014/main" val="2759475542"/>
+                  </a:ext>
+                </a:extLst>
+              </a:tr>
+              <a:tr h="368903">
+                <a:tc>
+                  <a:txBody>
+                    <a:bodyPr/>
+                    <a:lstStyle/>
+                    <a:p>
+                      <a:r>
+                        <a:rPr lang="en-US" dirty="0"/>
+                        <a:t>(date, </a:t>
+                      </a:r>
+                      <a:r>
+                        <a:rPr lang="en-US" dirty="0" err="1"/>
+                        <a:t>store_nbr</a:t>
+                      </a:r>
+                      <a:r>
+                        <a:rPr lang="en-US" dirty="0"/>
+                        <a:t>)</a:t>
+                      </a:r>
+                      <a:endParaRPr lang="en-SG" dirty="0"/>
+                    </a:p>
+                  </a:txBody>
+                  <a:tcPr/>
+                </a:tc>
+                <a:extLst>
+                  <a:ext uri="{0D108BD9-81ED-4DB2-BD59-A6C34878D82A}">
+                    <a16:rowId xmlns:a16="http://schemas.microsoft.com/office/drawing/2014/main" val="2311937163"/>
+                  </a:ext>
+                </a:extLst>
+              </a:tr>
+            </a:tbl>
+          </a:graphicData>
+        </a:graphic>
+      </p:graphicFrame>
+      <p:graphicFrame>
+        <p:nvGraphicFramePr>
+          <p:cNvPr id="17" name="Table 17">
+            <a:extLst>
+              <a:ext uri="{FF2B5EF4-FFF2-40B4-BE49-F238E27FC236}">
+                <a16:creationId xmlns:a16="http://schemas.microsoft.com/office/drawing/2014/main" id="{F4E79269-FA08-4787-CB37-962410329273}"/>
+              </a:ext>
+            </a:extLst>
+          </p:cNvPr>
+          <p:cNvGraphicFramePr>
+            <a:graphicFrameLocks noGrp="1"/>
+          </p:cNvGraphicFramePr>
+          <p:nvPr>
+            <p:extLst>
+              <p:ext uri="{D42A27DB-BD31-4B8C-83A1-F6EECF244321}">
+                <p14:modId xmlns:p14="http://schemas.microsoft.com/office/powerpoint/2010/main" val="393234995"/>
+              </p:ext>
+            </p:extLst>
+          </p:nvPr>
+        </p:nvGraphicFramePr>
+        <p:xfrm>
+          <a:off x="10551471" y="4601497"/>
+          <a:ext cx="852868" cy="737806"/>
+        </p:xfrm>
+        <a:graphic>
+          <a:graphicData uri="http://schemas.openxmlformats.org/drawingml/2006/table">
+            <a:tbl>
+              <a:tblPr firstRow="1" bandRow="1">
+                <a:tableStyleId>{21E4AEA4-8DFA-4A89-87EB-49C32662AFE0}</a:tableStyleId>
+              </a:tblPr>
+              <a:tblGrid>
+                <a:gridCol w="852868">
+                  <a:extLst>
+                    <a:ext uri="{9D8B030D-6E8A-4147-A177-3AD203B41FA5}">
+                      <a16:colId xmlns:a16="http://schemas.microsoft.com/office/drawing/2014/main" val="1576604600"/>
+                    </a:ext>
+                  </a:extLst>
+                </a:gridCol>
+              </a:tblGrid>
+              <a:tr h="368903">
+                <a:tc>
+                  <a:txBody>
+                    <a:bodyPr/>
+                    <a:lstStyle/>
+                    <a:p>
+                      <a:r>
+                        <a:rPr lang="en-US" dirty="0"/>
+                        <a:t>sales</a:t>
+                      </a:r>
+                      <a:endParaRPr lang="en-SG" dirty="0"/>
+                    </a:p>
+                  </a:txBody>
+                  <a:tcPr/>
+                </a:tc>
+                <a:extLst>
+                  <a:ext uri="{0D108BD9-81ED-4DB2-BD59-A6C34878D82A}">
+                    <a16:rowId xmlns:a16="http://schemas.microsoft.com/office/drawing/2014/main" val="551386004"/>
+                  </a:ext>
+                </a:extLst>
+              </a:tr>
+              <a:tr h="368903">
+                <a:tc>
+                  <a:txBody>
+                    <a:bodyPr/>
+                    <a:lstStyle/>
+                    <a:p>
+                      <a:r>
+                        <a:rPr lang="en-US" dirty="0"/>
+                        <a:t>(</a:t>
+                      </a:r>
+                      <a:r>
+                        <a:rPr lang="en-US" dirty="0" err="1"/>
+                        <a:t>y_val</a:t>
+                      </a:r>
+                      <a:r>
+                        <a:rPr lang="en-US" dirty="0"/>
+                        <a:t>)</a:t>
+                      </a:r>
+                      <a:endParaRPr lang="en-SG" dirty="0"/>
+                    </a:p>
+                  </a:txBody>
+                  <a:tcPr/>
+                </a:tc>
+                <a:extLst>
+                  <a:ext uri="{0D108BD9-81ED-4DB2-BD59-A6C34878D82A}">
+                    <a16:rowId xmlns:a16="http://schemas.microsoft.com/office/drawing/2014/main" val="2886012724"/>
+                  </a:ext>
+                </a:extLst>
+              </a:tr>
+            </a:tbl>
+          </a:graphicData>
+        </a:graphic>
+      </p:graphicFrame>
+      <p:graphicFrame>
+        <p:nvGraphicFramePr>
+          <p:cNvPr id="18" name="Table 18">
+            <a:extLst>
+              <a:ext uri="{FF2B5EF4-FFF2-40B4-BE49-F238E27FC236}">
+                <a16:creationId xmlns:a16="http://schemas.microsoft.com/office/drawing/2014/main" id="{363D3FBD-BB5F-632C-3397-6DA395DAE3EE}"/>
+              </a:ext>
+            </a:extLst>
+          </p:cNvPr>
+          <p:cNvGraphicFramePr>
+            <a:graphicFrameLocks noGrp="1"/>
+          </p:cNvGraphicFramePr>
+          <p:nvPr>
+            <p:extLst>
+              <p:ext uri="{D42A27DB-BD31-4B8C-83A1-F6EECF244321}">
+                <p14:modId xmlns:p14="http://schemas.microsoft.com/office/powerpoint/2010/main" val="3338892670"/>
+              </p:ext>
+            </p:extLst>
+          </p:nvPr>
+        </p:nvGraphicFramePr>
+        <p:xfrm>
+          <a:off x="2032001" y="4283403"/>
+          <a:ext cx="1419538" cy="737806"/>
+        </p:xfrm>
+        <a:graphic>
+          <a:graphicData uri="http://schemas.openxmlformats.org/drawingml/2006/table">
+            <a:tbl>
+              <a:tblPr firstRow="1" bandRow="1">
+                <a:tableStyleId>{F5AB1C69-6EDB-4FF4-983F-18BD219EF322}</a:tableStyleId>
+              </a:tblPr>
+              <a:tblGrid>
+                <a:gridCol w="1419538">
+                  <a:extLst>
+                    <a:ext uri="{9D8B030D-6E8A-4147-A177-3AD203B41FA5}">
+                      <a16:colId xmlns:a16="http://schemas.microsoft.com/office/drawing/2014/main" val="329897923"/>
+                    </a:ext>
+                  </a:extLst>
+                </a:gridCol>
+              </a:tblGrid>
+              <a:tr h="368903">
+                <a:tc>
+                  <a:txBody>
+                    <a:bodyPr/>
+                    <a:lstStyle/>
+                    <a:p>
+                      <a:r>
+                        <a:rPr lang="en-US" dirty="0" err="1"/>
+                        <a:t>Oil_price</a:t>
+                      </a:r>
+                      <a:endParaRPr lang="en-SG" dirty="0"/>
+                    </a:p>
+                  </a:txBody>
+                  <a:tcPr/>
+                </a:tc>
+                <a:extLst>
+                  <a:ext uri="{0D108BD9-81ED-4DB2-BD59-A6C34878D82A}">
+                    <a16:rowId xmlns:a16="http://schemas.microsoft.com/office/drawing/2014/main" val="2695117420"/>
+                  </a:ext>
+                </a:extLst>
+              </a:tr>
+              <a:tr h="368903">
+                <a:tc>
+                  <a:txBody>
+                    <a:bodyPr/>
+                    <a:lstStyle/>
+                    <a:p>
+                      <a:r>
+                        <a:rPr lang="en-US" dirty="0"/>
+                        <a:t>(date)</a:t>
+                      </a:r>
+                      <a:endParaRPr lang="en-SG" dirty="0"/>
+                    </a:p>
+                  </a:txBody>
+                  <a:tcPr/>
+                </a:tc>
+                <a:extLst>
+                  <a:ext uri="{0D108BD9-81ED-4DB2-BD59-A6C34878D82A}">
+                    <a16:rowId xmlns:a16="http://schemas.microsoft.com/office/drawing/2014/main" val="270632549"/>
+                  </a:ext>
+                </a:extLst>
+              </a:tr>
+            </a:tbl>
+          </a:graphicData>
+        </a:graphic>
+      </p:graphicFrame>
+      <p:graphicFrame>
+        <p:nvGraphicFramePr>
+          <p:cNvPr id="19" name="Table 19">
+            <a:extLst>
+              <a:ext uri="{FF2B5EF4-FFF2-40B4-BE49-F238E27FC236}">
+                <a16:creationId xmlns:a16="http://schemas.microsoft.com/office/drawing/2014/main" id="{28D3C25E-5948-04AD-BBA8-FED1E1EFB2A3}"/>
+              </a:ext>
+            </a:extLst>
+          </p:cNvPr>
+          <p:cNvGraphicFramePr>
+            <a:graphicFrameLocks noGrp="1"/>
+          </p:cNvGraphicFramePr>
+          <p:nvPr>
+            <p:extLst>
+              <p:ext uri="{D42A27DB-BD31-4B8C-83A1-F6EECF244321}">
+                <p14:modId xmlns:p14="http://schemas.microsoft.com/office/powerpoint/2010/main" val="3051232351"/>
+              </p:ext>
+            </p:extLst>
+          </p:nvPr>
+        </p:nvGraphicFramePr>
+        <p:xfrm>
+          <a:off x="2031999" y="5390112"/>
+          <a:ext cx="6828665" cy="737806"/>
+        </p:xfrm>
+        <a:graphic>
+          <a:graphicData uri="http://schemas.openxmlformats.org/drawingml/2006/table">
+            <a:tbl>
+              <a:tblPr firstRow="1" bandRow="1">
+                <a:tableStyleId>{00A15C55-8517-42AA-B614-E9B94910E393}</a:tableStyleId>
+              </a:tblPr>
+              <a:tblGrid>
+                <a:gridCol w="1136204">
+                  <a:extLst>
+                    <a:ext uri="{9D8B030D-6E8A-4147-A177-3AD203B41FA5}">
+                      <a16:colId xmlns:a16="http://schemas.microsoft.com/office/drawing/2014/main" val="420422369"/>
+                    </a:ext>
+                  </a:extLst>
+                </a:gridCol>
+                <a:gridCol w="1996225">
+                  <a:extLst>
+                    <a:ext uri="{9D8B030D-6E8A-4147-A177-3AD203B41FA5}">
+                      <a16:colId xmlns:a16="http://schemas.microsoft.com/office/drawing/2014/main" val="1430742092"/>
+                    </a:ext>
+                  </a:extLst>
+                </a:gridCol>
+                <a:gridCol w="1996226">
+                  <a:extLst>
+                    <a:ext uri="{9D8B030D-6E8A-4147-A177-3AD203B41FA5}">
+                      <a16:colId xmlns:a16="http://schemas.microsoft.com/office/drawing/2014/main" val="2114920644"/>
+                    </a:ext>
+                  </a:extLst>
+                </a:gridCol>
+                <a:gridCol w="1700010">
+                  <a:extLst>
+                    <a:ext uri="{9D8B030D-6E8A-4147-A177-3AD203B41FA5}">
+                      <a16:colId xmlns:a16="http://schemas.microsoft.com/office/drawing/2014/main" val="1928827064"/>
+                    </a:ext>
+                  </a:extLst>
+                </a:gridCol>
+              </a:tblGrid>
+              <a:tr h="368903">
+                <a:tc>
+                  <a:txBody>
+                    <a:bodyPr/>
+                    <a:lstStyle/>
+                    <a:p>
+                      <a:r>
+                        <a:rPr lang="en-US" dirty="0" err="1"/>
+                        <a:t>Hol_type</a:t>
+                      </a:r>
+                      <a:endParaRPr lang="en-SG" dirty="0"/>
+                    </a:p>
+                  </a:txBody>
+                  <a:tcPr/>
+                </a:tc>
+                <a:tc>
+                  <a:txBody>
+                    <a:bodyPr/>
+                    <a:lstStyle/>
+                    <a:p>
+                      <a:r>
+                        <a:rPr lang="en-US" dirty="0" err="1"/>
+                        <a:t>Celebrate_type</a:t>
+                      </a:r>
+                      <a:endParaRPr lang="en-SG" dirty="0"/>
+                    </a:p>
+                  </a:txBody>
+                  <a:tcPr/>
+                </a:tc>
+                <a:tc>
+                  <a:txBody>
+                    <a:bodyPr/>
+                    <a:lstStyle/>
+                    <a:p>
+                      <a:r>
+                        <a:rPr lang="en-US" dirty="0" err="1"/>
+                        <a:t>Celebrate_location</a:t>
+                      </a:r>
+                      <a:endParaRPr lang="en-SG" dirty="0"/>
+                    </a:p>
+                  </a:txBody>
+                  <a:tcPr/>
+                </a:tc>
+                <a:tc>
+                  <a:txBody>
+                    <a:bodyPr/>
+                    <a:lstStyle/>
+                    <a:p>
+                      <a:r>
+                        <a:rPr lang="en-US" dirty="0"/>
+                        <a:t>transferred</a:t>
+                      </a:r>
+                      <a:endParaRPr lang="en-SG" dirty="0"/>
+                    </a:p>
+                  </a:txBody>
+                  <a:tcPr/>
+                </a:tc>
+                <a:extLst>
+                  <a:ext uri="{0D108BD9-81ED-4DB2-BD59-A6C34878D82A}">
+                    <a16:rowId xmlns:a16="http://schemas.microsoft.com/office/drawing/2014/main" val="460904225"/>
+                  </a:ext>
+                </a:extLst>
+              </a:tr>
+              <a:tr h="368903">
+                <a:tc>
+                  <a:txBody>
+                    <a:bodyPr/>
+                    <a:lstStyle/>
+                    <a:p>
+                      <a:r>
+                        <a:rPr lang="en-US" dirty="0"/>
+                        <a:t>(date)</a:t>
+                      </a:r>
+                      <a:endParaRPr lang="en-SG" dirty="0"/>
+                    </a:p>
+                  </a:txBody>
+                  <a:tcPr/>
+                </a:tc>
+                <a:tc>
+                  <a:txBody>
+                    <a:bodyPr/>
+                    <a:lstStyle/>
+                    <a:p>
+                      <a:r>
+                        <a:rPr lang="en-US" dirty="0"/>
+                        <a:t>National, local </a:t>
+                      </a:r>
+                      <a:r>
+                        <a:rPr lang="en-US" dirty="0" err="1"/>
+                        <a:t>etc</a:t>
+                      </a:r>
+                      <a:endParaRPr lang="en-SG" dirty="0"/>
+                    </a:p>
+                  </a:txBody>
+                  <a:tcPr/>
+                </a:tc>
+                <a:tc>
+                  <a:txBody>
+                    <a:bodyPr/>
+                    <a:lstStyle/>
+                    <a:p>
+                      <a:r>
+                        <a:rPr lang="en-US" dirty="0"/>
+                        <a:t>(</a:t>
+                      </a:r>
+                      <a:r>
+                        <a:rPr lang="en-US" dirty="0" err="1"/>
+                        <a:t>store_location</a:t>
+                      </a:r>
+                      <a:r>
+                        <a:rPr lang="en-US" dirty="0"/>
+                        <a:t>)</a:t>
+                      </a:r>
+                      <a:endParaRPr lang="en-SG" dirty="0"/>
+                    </a:p>
+                  </a:txBody>
+                  <a:tcPr/>
+                </a:tc>
+                <a:tc>
+                  <a:txBody>
+                    <a:bodyPr/>
+                    <a:lstStyle/>
+                    <a:p>
+                      <a:endParaRPr lang="en-SG" dirty="0"/>
+                    </a:p>
+                  </a:txBody>
+                  <a:tcPr/>
+                </a:tc>
+                <a:extLst>
+                  <a:ext uri="{0D108BD9-81ED-4DB2-BD59-A6C34878D82A}">
+                    <a16:rowId xmlns:a16="http://schemas.microsoft.com/office/drawing/2014/main" val="3744304576"/>
+                  </a:ext>
+                </a:extLst>
+              </a:tr>
+            </a:tbl>
+          </a:graphicData>
+        </a:graphic>
+      </p:graphicFrame>
+    </p:spTree>
+    <p:extLst>
+      <p:ext uri="{BB962C8B-B14F-4D97-AF65-F5344CB8AC3E}">
+        <p14:creationId xmlns:p14="http://schemas.microsoft.com/office/powerpoint/2010/main" val="2829956952"/>
+      </p:ext>
+    </p:extLst>
+  </p:cSld>
+  <p:clrMapOvr>
+    <a:masterClrMapping/>
+  </p:clrMapOvr>
+</p:sld>
+</file>
+
+<file path=ppt/slides/slide5.xml><?xml version="1.0" encoding="utf-8"?>
 <p:sld xmlns:a="http://schemas.openxmlformats.org/drawingml/2006/main" xmlns:r="http://schemas.openxmlformats.org/officeDocument/2006/relationships" xmlns:p="http://schemas.openxmlformats.org/presentationml/2006/main" show="0">
   <p:cSld>
     <p:bg>
@@ -7095,511 +8821,6 @@
     <p:extLst>
       <p:ext uri="{BB962C8B-B14F-4D97-AF65-F5344CB8AC3E}">
         <p14:creationId xmlns:p14="http://schemas.microsoft.com/office/powerpoint/2010/main" val="2466999317"/>
-      </p:ext>
-    </p:extLst>
-  </p:cSld>
-  <p:clrMapOvr>
-    <a:masterClrMapping/>
-  </p:clrMapOvr>
-</p:sld>
-</file>
-
-<file path=ppt/slides/slide5.xml><?xml version="1.0" encoding="utf-8"?>
-<p:sld xmlns:a="http://schemas.openxmlformats.org/drawingml/2006/main" xmlns:r="http://schemas.openxmlformats.org/officeDocument/2006/relationships" xmlns:p="http://schemas.openxmlformats.org/presentationml/2006/main">
-  <p:cSld>
-    <p:bg>
-      <p:bgPr>
-        <a:solidFill>
-          <a:schemeClr val="bg1"/>
-        </a:solidFill>
-        <a:effectLst/>
-      </p:bgPr>
-    </p:bg>
-    <p:spTree>
-      <p:nvGrpSpPr>
-        <p:cNvPr id="1" name=""/>
-        <p:cNvGrpSpPr/>
-        <p:nvPr/>
-      </p:nvGrpSpPr>
-      <p:grpSpPr>
-        <a:xfrm>
-          <a:off x="0" y="0"/>
-          <a:ext cx="0" cy="0"/>
-          <a:chOff x="0" y="0"/>
-          <a:chExt cx="0" cy="0"/>
-        </a:xfrm>
-      </p:grpSpPr>
-      <p:sp>
-        <p:nvSpPr>
-          <p:cNvPr id="8" name="Rectangle 7">
-            <a:extLst>
-              <a:ext uri="{FF2B5EF4-FFF2-40B4-BE49-F238E27FC236}">
-                <a16:creationId xmlns:a16="http://schemas.microsoft.com/office/drawing/2014/main" id="{2B566528-1B12-4246-9431-5C2D7D081168}"/>
-              </a:ext>
-              <a:ext uri="{C183D7F6-B498-43B3-948B-1728B52AA6E4}">
-                <adec:decorative xmlns:adec="http://schemas.microsoft.com/office/drawing/2017/decorative" val="1"/>
-              </a:ext>
-            </a:extLst>
-          </p:cNvPr>
-          <p:cNvSpPr>
-            <a:spLocks noGrp="1" noRot="1" noChangeAspect="1" noMove="1" noResize="1" noEditPoints="1" noAdjustHandles="1" noChangeArrowheads="1" noChangeShapeType="1" noTextEdit="1"/>
-          </p:cNvSpPr>
-          <p:nvPr>
-            <p:extLst>
-              <p:ext uri="{386F3935-93C4-4BCD-93E2-E3B085C9AB24}">
-                <p16:designElem xmlns:p16="http://schemas.microsoft.com/office/powerpoint/2015/main" val="1"/>
-              </p:ext>
-            </p:extLst>
-          </p:nvPr>
-        </p:nvSpPr>
-        <p:spPr>
-          <a:xfrm>
-            <a:off x="0" y="0"/>
-            <a:ext cx="12192000" cy="6858000"/>
-          </a:xfrm>
-          <a:prstGeom prst="rect">
-            <a:avLst/>
-          </a:prstGeom>
-          <a:solidFill>
-            <a:schemeClr val="bg1"/>
-          </a:solidFill>
-          <a:ln>
-            <a:noFill/>
-          </a:ln>
-        </p:spPr>
-        <p:style>
-          <a:lnRef idx="2">
-            <a:schemeClr val="accent1">
-              <a:shade val="50000"/>
-            </a:schemeClr>
-          </a:lnRef>
-          <a:fillRef idx="1">
-            <a:schemeClr val="accent1"/>
-          </a:fillRef>
-          <a:effectRef idx="0">
-            <a:schemeClr val="accent1"/>
-          </a:effectRef>
-          <a:fontRef idx="minor">
-            <a:schemeClr val="lt1"/>
-          </a:fontRef>
-        </p:style>
-        <p:txBody>
-          <a:bodyPr rtlCol="0" anchor="ctr"/>
-          <a:lstStyle/>
-          <a:p>
-            <a:pPr algn="ctr"/>
-            <a:endParaRPr lang="en-US" dirty="0"/>
-          </a:p>
-        </p:txBody>
-      </p:sp>
-      <p:sp>
-        <p:nvSpPr>
-          <p:cNvPr id="2" name="Title 1">
-            <a:extLst>
-              <a:ext uri="{FF2B5EF4-FFF2-40B4-BE49-F238E27FC236}">
-                <a16:creationId xmlns:a16="http://schemas.microsoft.com/office/drawing/2014/main" id="{F23F83B3-A987-4940-9D56-13A36B9D1C61}"/>
-              </a:ext>
-            </a:extLst>
-          </p:cNvPr>
-          <p:cNvSpPr>
-            <a:spLocks noGrp="1"/>
-          </p:cNvSpPr>
-          <p:nvPr>
-            <p:ph type="title"/>
-          </p:nvPr>
-        </p:nvSpPr>
-        <p:spPr>
-          <a:xfrm>
-            <a:off x="643467" y="321734"/>
-            <a:ext cx="10905066" cy="1135737"/>
-          </a:xfrm>
-        </p:spPr>
-        <p:txBody>
-          <a:bodyPr>
-            <a:normAutofit/>
-          </a:bodyPr>
-          <a:lstStyle/>
-          <a:p>
-            <a:r>
-              <a:rPr lang="en-US" sz="3600" dirty="0"/>
-              <a:t>Data cleaning and manipulation</a:t>
-            </a:r>
-            <a:endParaRPr lang="en-SG" sz="3600" dirty="0"/>
-          </a:p>
-        </p:txBody>
-      </p:sp>
-      <p:sp>
-        <p:nvSpPr>
-          <p:cNvPr id="3" name="Content Placeholder 2">
-            <a:extLst>
-              <a:ext uri="{FF2B5EF4-FFF2-40B4-BE49-F238E27FC236}">
-                <a16:creationId xmlns:a16="http://schemas.microsoft.com/office/drawing/2014/main" id="{CF1E004B-530E-4A65-8460-1C9D823232A5}"/>
-              </a:ext>
-            </a:extLst>
-          </p:cNvPr>
-          <p:cNvSpPr>
-            <a:spLocks noGrp="1"/>
-          </p:cNvSpPr>
-          <p:nvPr>
-            <p:ph idx="1"/>
-          </p:nvPr>
-        </p:nvSpPr>
-        <p:spPr>
-          <a:xfrm>
-            <a:off x="643467" y="1782981"/>
-            <a:ext cx="10905066" cy="4393982"/>
-          </a:xfrm>
-        </p:spPr>
-        <p:txBody>
-          <a:bodyPr>
-            <a:normAutofit/>
-          </a:bodyPr>
-          <a:lstStyle/>
-          <a:p>
-            <a:r>
-              <a:rPr lang="en-US" sz="2000" dirty="0"/>
-              <a:t>Change data type?</a:t>
-            </a:r>
-          </a:p>
-          <a:p>
-            <a:r>
-              <a:rPr lang="en-US" sz="2000" dirty="0"/>
-              <a:t>Change all words to lowercase</a:t>
-            </a:r>
-          </a:p>
-          <a:p>
-            <a:r>
-              <a:rPr lang="en-US" sz="2000" strike="sngStrike" dirty="0"/>
-              <a:t>Fill in NULL?</a:t>
-            </a:r>
-          </a:p>
-          <a:p>
-            <a:r>
-              <a:rPr lang="en-US" sz="2000" strike="sngStrike" dirty="0"/>
-              <a:t>Remove duplicates </a:t>
-            </a:r>
-            <a:r>
-              <a:rPr lang="en-US" sz="2000" dirty="0"/>
-              <a:t>(</a:t>
-            </a:r>
-            <a:r>
-              <a:rPr lang="en-US" sz="2000" b="1" dirty="0"/>
-              <a:t>not necessary anymore, checked that each </a:t>
-            </a:r>
-            <a:r>
-              <a:rPr lang="en-US" sz="2000" b="1" dirty="0" err="1"/>
-              <a:t>article_id</a:t>
-            </a:r>
-            <a:r>
-              <a:rPr lang="en-US" sz="2000" b="1" dirty="0"/>
-              <a:t> is indeed a different item although described similarly to others</a:t>
-            </a:r>
-            <a:r>
-              <a:rPr lang="en-US" sz="2000" dirty="0"/>
-              <a:t>)</a:t>
-            </a:r>
-          </a:p>
-          <a:p>
-            <a:pPr lvl="1"/>
-            <a:r>
-              <a:rPr lang="en-US" sz="1600" dirty="0"/>
-              <a:t>Check if the naming have any typo and not picked up from duplicated() method</a:t>
-            </a:r>
-          </a:p>
-          <a:p>
-            <a:pPr lvl="2"/>
-            <a:r>
-              <a:rPr lang="en-US" sz="1200" dirty="0"/>
-              <a:t>Same product code/product categories but product name is slightly different?</a:t>
-            </a:r>
-          </a:p>
-          <a:p>
-            <a:r>
-              <a:rPr lang="en-US" sz="2000" strike="sngStrike" dirty="0"/>
-              <a:t>Same address = same customer?</a:t>
-            </a:r>
-          </a:p>
-          <a:p>
-            <a:r>
-              <a:rPr lang="en-US" sz="2000" strike="sngStrike" dirty="0"/>
-              <a:t>Same product code = same item?</a:t>
-            </a:r>
-            <a:endParaRPr lang="en-SG" sz="2000" strike="sngStrike" dirty="0"/>
-          </a:p>
-        </p:txBody>
-      </p:sp>
-      <p:sp>
-        <p:nvSpPr>
-          <p:cNvPr id="10" name="Rectangle 9">
-            <a:extLst>
-              <a:ext uri="{FF2B5EF4-FFF2-40B4-BE49-F238E27FC236}">
-                <a16:creationId xmlns:a16="http://schemas.microsoft.com/office/drawing/2014/main" id="{2E80C965-DB6D-4F81-9E9E-B027384D0BD6}"/>
-              </a:ext>
-              <a:ext uri="{C183D7F6-B498-43B3-948B-1728B52AA6E4}">
-                <adec:decorative xmlns:adec="http://schemas.microsoft.com/office/drawing/2017/decorative" val="1"/>
-              </a:ext>
-            </a:extLst>
-          </p:cNvPr>
-          <p:cNvSpPr>
-            <a:spLocks noGrp="1" noRot="1" noChangeAspect="1" noMove="1" noResize="1" noEditPoints="1" noAdjustHandles="1" noChangeArrowheads="1" noChangeShapeType="1" noTextEdit="1"/>
-          </p:cNvSpPr>
-          <p:nvPr>
-            <p:extLst>
-              <p:ext uri="{386F3935-93C4-4BCD-93E2-E3B085C9AB24}">
-                <p16:designElem xmlns:p16="http://schemas.microsoft.com/office/powerpoint/2015/main" val="1"/>
-              </p:ext>
-            </p:extLst>
-          </p:nvPr>
-        </p:nvSpPr>
-        <p:spPr>
-          <a:xfrm rot="2700000">
-            <a:off x="11052629" y="2120024"/>
-            <a:ext cx="645368" cy="645368"/>
-          </a:xfrm>
-          <a:prstGeom prst="rect">
-            <a:avLst/>
-          </a:prstGeom>
-          <a:solidFill>
-            <a:schemeClr val="accent4">
-              <a:alpha val="30000"/>
-            </a:schemeClr>
-          </a:solidFill>
-          <a:ln>
-            <a:noFill/>
-          </a:ln>
-        </p:spPr>
-        <p:style>
-          <a:lnRef idx="2">
-            <a:schemeClr val="accent1">
-              <a:shade val="50000"/>
-            </a:schemeClr>
-          </a:lnRef>
-          <a:fillRef idx="1">
-            <a:schemeClr val="accent1"/>
-          </a:fillRef>
-          <a:effectRef idx="0">
-            <a:schemeClr val="accent1"/>
-          </a:effectRef>
-          <a:fontRef idx="minor">
-            <a:schemeClr val="lt1"/>
-          </a:fontRef>
-        </p:style>
-        <p:txBody>
-          <a:bodyPr rtlCol="0" anchor="ctr"/>
-          <a:lstStyle/>
-          <a:p>
-            <a:pPr algn="ctr"/>
-            <a:endParaRPr lang="en-US"/>
-          </a:p>
-        </p:txBody>
-      </p:sp>
-      <p:sp>
-        <p:nvSpPr>
-          <p:cNvPr id="12" name="Isosceles Triangle 11">
-            <a:extLst>
-              <a:ext uri="{FF2B5EF4-FFF2-40B4-BE49-F238E27FC236}">
-                <a16:creationId xmlns:a16="http://schemas.microsoft.com/office/drawing/2014/main" id="{A580F890-B085-4E95-96AA-55AEBEC5CE6E}"/>
-              </a:ext>
-              <a:ext uri="{C183D7F6-B498-43B3-948B-1728B52AA6E4}">
-                <adec:decorative xmlns:adec="http://schemas.microsoft.com/office/drawing/2017/decorative" val="1"/>
-              </a:ext>
-            </a:extLst>
-          </p:cNvPr>
-          <p:cNvSpPr>
-            <a:spLocks noGrp="1" noRot="1" noChangeAspect="1" noMove="1" noResize="1" noEditPoints="1" noAdjustHandles="1" noChangeArrowheads="1" noChangeShapeType="1" noTextEdit="1"/>
-          </p:cNvSpPr>
-          <p:nvPr>
-            <p:extLst>
-              <p:ext uri="{386F3935-93C4-4BCD-93E2-E3B085C9AB24}">
-                <p16:designElem xmlns:p16="http://schemas.microsoft.com/office/powerpoint/2015/main" val="1"/>
-              </p:ext>
-            </p:extLst>
-          </p:nvPr>
-        </p:nvSpPr>
-        <p:spPr>
-          <a:xfrm rot="16200000">
-            <a:off x="10289068" y="1343027"/>
-            <a:ext cx="2532832" cy="1273032"/>
-          </a:xfrm>
-          <a:prstGeom prst="triangle">
-            <a:avLst>
-              <a:gd name="adj" fmla="val 50000"/>
-            </a:avLst>
-          </a:prstGeom>
-          <a:solidFill>
-            <a:schemeClr val="accent4">
-              <a:alpha val="30000"/>
-            </a:schemeClr>
-          </a:solidFill>
-          <a:ln>
-            <a:noFill/>
-          </a:ln>
-        </p:spPr>
-        <p:style>
-          <a:lnRef idx="2">
-            <a:schemeClr val="accent1">
-              <a:shade val="50000"/>
-            </a:schemeClr>
-          </a:lnRef>
-          <a:fillRef idx="1">
-            <a:schemeClr val="accent1"/>
-          </a:fillRef>
-          <a:effectRef idx="0">
-            <a:schemeClr val="accent1"/>
-          </a:effectRef>
-          <a:fontRef idx="minor">
-            <a:schemeClr val="lt1"/>
-          </a:fontRef>
-        </p:style>
-        <p:txBody>
-          <a:bodyPr rtlCol="0" anchor="ctr"/>
-          <a:lstStyle/>
-          <a:p>
-            <a:pPr algn="ctr"/>
-            <a:endParaRPr lang="en-US"/>
-          </a:p>
-        </p:txBody>
-      </p:sp>
-      <p:sp>
-        <p:nvSpPr>
-          <p:cNvPr id="14" name="Isosceles Triangle 13">
-            <a:extLst>
-              <a:ext uri="{FF2B5EF4-FFF2-40B4-BE49-F238E27FC236}">
-                <a16:creationId xmlns:a16="http://schemas.microsoft.com/office/drawing/2014/main" id="{D3F51FEB-38FB-4F6C-9F7B-2F2AFAB65463}"/>
-              </a:ext>
-              <a:ext uri="{C183D7F6-B498-43B3-948B-1728B52AA6E4}">
-                <adec:decorative xmlns:adec="http://schemas.microsoft.com/office/drawing/2017/decorative" val="1"/>
-              </a:ext>
-            </a:extLst>
-          </p:cNvPr>
-          <p:cNvSpPr>
-            <a:spLocks noGrp="1" noRot="1" noChangeAspect="1" noMove="1" noResize="1" noEditPoints="1" noAdjustHandles="1" noChangeArrowheads="1" noChangeShapeType="1" noTextEdit="1"/>
-          </p:cNvSpPr>
-          <p:nvPr>
-            <p:extLst>
-              <p:ext uri="{386F3935-93C4-4BCD-93E2-E3B085C9AB24}">
-                <p16:designElem xmlns:p16="http://schemas.microsoft.com/office/powerpoint/2015/main" val="1"/>
-              </p:ext>
-            </p:extLst>
-          </p:nvPr>
-        </p:nvSpPr>
-        <p:spPr>
-          <a:xfrm rot="5400000">
-            <a:off x="-501760" y="5103257"/>
-            <a:ext cx="2017580" cy="1014060"/>
-          </a:xfrm>
-          <a:prstGeom prst="triangle">
-            <a:avLst>
-              <a:gd name="adj" fmla="val 50000"/>
-            </a:avLst>
-          </a:prstGeom>
-          <a:solidFill>
-            <a:schemeClr val="accent1">
-              <a:alpha val="30000"/>
-            </a:schemeClr>
-          </a:solidFill>
-          <a:ln>
-            <a:noFill/>
-          </a:ln>
-        </p:spPr>
-        <p:style>
-          <a:lnRef idx="2">
-            <a:schemeClr val="accent1">
-              <a:shade val="50000"/>
-            </a:schemeClr>
-          </a:lnRef>
-          <a:fillRef idx="1">
-            <a:schemeClr val="accent1"/>
-          </a:fillRef>
-          <a:effectRef idx="0">
-            <a:schemeClr val="accent1"/>
-          </a:effectRef>
-          <a:fontRef idx="minor">
-            <a:schemeClr val="lt1"/>
-          </a:fontRef>
-        </p:style>
-        <p:txBody>
-          <a:bodyPr wrap="square" rtlCol="0" anchor="ctr">
-            <a:noAutofit/>
-          </a:bodyPr>
-          <a:lstStyle/>
-          <a:p>
-            <a:pPr algn="ctr"/>
-            <a:endParaRPr lang="en-US"/>
-          </a:p>
-        </p:txBody>
-      </p:sp>
-      <p:sp>
-        <p:nvSpPr>
-          <p:cNvPr id="16" name="Rectangle 15">
-            <a:extLst>
-              <a:ext uri="{FF2B5EF4-FFF2-40B4-BE49-F238E27FC236}">
-                <a16:creationId xmlns:a16="http://schemas.microsoft.com/office/drawing/2014/main" id="{1E547BA6-BAE0-43BB-A7CA-60F69CE252F0}"/>
-              </a:ext>
-              <a:ext uri="{C183D7F6-B498-43B3-948B-1728B52AA6E4}">
-                <adec:decorative xmlns:adec="http://schemas.microsoft.com/office/drawing/2017/decorative" val="1"/>
-              </a:ext>
-            </a:extLst>
-          </p:cNvPr>
-          <p:cNvSpPr>
-            <a:spLocks noGrp="1" noRot="1" noChangeAspect="1" noMove="1" noResize="1" noEditPoints="1" noAdjustHandles="1" noChangeArrowheads="1" noChangeShapeType="1" noTextEdit="1"/>
-          </p:cNvSpPr>
-          <p:nvPr>
-            <p:extLst>
-              <p:ext uri="{386F3935-93C4-4BCD-93E2-E3B085C9AB24}">
-                <p16:designElem xmlns:p16="http://schemas.microsoft.com/office/powerpoint/2015/main" val="1"/>
-              </p:ext>
-            </p:extLst>
-          </p:nvPr>
-        </p:nvSpPr>
-        <p:spPr>
-          <a:xfrm rot="2700000">
-            <a:off x="427916" y="5728708"/>
-            <a:ext cx="485578" cy="485578"/>
-          </a:xfrm>
-          <a:prstGeom prst="rect">
-            <a:avLst/>
-          </a:prstGeom>
-          <a:solidFill>
-            <a:schemeClr val="accent1">
-              <a:alpha val="30000"/>
-            </a:schemeClr>
-          </a:solidFill>
-          <a:ln>
-            <a:noFill/>
-          </a:ln>
-        </p:spPr>
-        <p:style>
-          <a:lnRef idx="2">
-            <a:schemeClr val="accent1">
-              <a:shade val="50000"/>
-            </a:schemeClr>
-          </a:lnRef>
-          <a:fillRef idx="1">
-            <a:schemeClr val="accent1"/>
-          </a:fillRef>
-          <a:effectRef idx="0">
-            <a:schemeClr val="accent1"/>
-          </a:effectRef>
-          <a:fontRef idx="minor">
-            <a:schemeClr val="lt1"/>
-          </a:fontRef>
-        </p:style>
-        <p:txBody>
-          <a:bodyPr wrap="square" rtlCol="0" anchor="ctr">
-            <a:noAutofit/>
-          </a:bodyPr>
-          <a:lstStyle/>
-          <a:p>
-            <a:pPr algn="ctr"/>
-            <a:endParaRPr lang="en-US"/>
-          </a:p>
-        </p:txBody>
-      </p:sp>
-    </p:spTree>
-    <p:extLst>
-      <p:ext uri="{BB962C8B-B14F-4D97-AF65-F5344CB8AC3E}">
-        <p14:creationId xmlns:p14="http://schemas.microsoft.com/office/powerpoint/2010/main" val="3445578383"/>
       </p:ext>
     </p:extLst>
   </p:cSld>
@@ -7702,7 +8923,7 @@
           <p:cNvPr id="2" name="Title 1">
             <a:extLst>
               <a:ext uri="{FF2B5EF4-FFF2-40B4-BE49-F238E27FC236}">
-                <a16:creationId xmlns:a16="http://schemas.microsoft.com/office/drawing/2014/main" id="{701DD3E2-5832-4CD7-A281-13A233BEABAD}"/>
+                <a16:creationId xmlns:a16="http://schemas.microsoft.com/office/drawing/2014/main" id="{F23F83B3-A987-4940-9D56-13A36B9D1C61}"/>
               </a:ext>
             </a:extLst>
           </p:cNvPr>
@@ -7726,10 +8947,10 @@
           <a:lstStyle/>
           <a:p>
             <a:r>
-              <a:rPr lang="en-US" sz="3600"/>
-              <a:t>Merging all into one dataframe</a:t>
-            </a:r>
-            <a:endParaRPr lang="en-SG" sz="3600"/>
+              <a:rPr lang="en-US" sz="3600" dirty="0"/>
+              <a:t>Data cleaning and manipulation</a:t>
+            </a:r>
+            <a:endParaRPr lang="en-SG" sz="3600" dirty="0"/>
           </a:p>
         </p:txBody>
       </p:sp>
@@ -7738,7 +8959,7 @@
           <p:cNvPr id="3" name="Content Placeholder 2">
             <a:extLst>
               <a:ext uri="{FF2B5EF4-FFF2-40B4-BE49-F238E27FC236}">
-                <a16:creationId xmlns:a16="http://schemas.microsoft.com/office/drawing/2014/main" id="{3226873D-CCFB-4C88-9D44-6B5868D72FE1}"/>
+                <a16:creationId xmlns:a16="http://schemas.microsoft.com/office/drawing/2014/main" id="{CF1E004B-530E-4A65-8460-1C9D823232A5}"/>
               </a:ext>
             </a:extLst>
           </p:cNvPr>
@@ -7761,7 +8982,75 @@
           </a:bodyPr>
           <a:lstStyle/>
           <a:p>
-            <a:endParaRPr lang="en-SG" sz="2000"/>
+            <a:r>
+              <a:rPr lang="en-US" sz="2000" dirty="0"/>
+              <a:t>Change data type?</a:t>
+            </a:r>
+          </a:p>
+          <a:p>
+            <a:r>
+              <a:rPr lang="en-US" sz="2000" dirty="0"/>
+              <a:t>Change all words to lowercase</a:t>
+            </a:r>
+          </a:p>
+          <a:p>
+            <a:r>
+              <a:rPr lang="en-US" sz="2000" strike="sngStrike" dirty="0"/>
+              <a:t>Fill in NULL?</a:t>
+            </a:r>
+          </a:p>
+          <a:p>
+            <a:r>
+              <a:rPr lang="en-US" sz="2000" strike="sngStrike" dirty="0"/>
+              <a:t>Remove duplicates </a:t>
+            </a:r>
+            <a:r>
+              <a:rPr lang="en-US" sz="2000" dirty="0"/>
+              <a:t>(</a:t>
+            </a:r>
+            <a:r>
+              <a:rPr lang="en-US" sz="2000" b="1" dirty="0"/>
+              <a:t>not necessary anymore, checked that each </a:t>
+            </a:r>
+            <a:r>
+              <a:rPr lang="en-US" sz="2000" b="1" dirty="0" err="1"/>
+              <a:t>article_id</a:t>
+            </a:r>
+            <a:r>
+              <a:rPr lang="en-US" sz="2000" b="1" dirty="0"/>
+              <a:t> is indeed a different item although described similarly to others</a:t>
+            </a:r>
+            <a:r>
+              <a:rPr lang="en-US" sz="2000" dirty="0"/>
+              <a:t>)</a:t>
+            </a:r>
+          </a:p>
+          <a:p>
+            <a:pPr lvl="1"/>
+            <a:r>
+              <a:rPr lang="en-US" sz="1600" dirty="0"/>
+              <a:t>Check if the naming have any typo and not picked up from duplicated() method</a:t>
+            </a:r>
+          </a:p>
+          <a:p>
+            <a:pPr lvl="2"/>
+            <a:r>
+              <a:rPr lang="en-US" sz="1200" dirty="0"/>
+              <a:t>Same product code/product categories but product name is slightly different?</a:t>
+            </a:r>
+          </a:p>
+          <a:p>
+            <a:r>
+              <a:rPr lang="en-US" sz="2000" strike="sngStrike" dirty="0"/>
+              <a:t>Same address = same customer?</a:t>
+            </a:r>
+          </a:p>
+          <a:p>
+            <a:r>
+              <a:rPr lang="en-US" sz="2000" strike="sngStrike" dirty="0"/>
+              <a:t>Same product code = same item?</a:t>
+            </a:r>
+            <a:endParaRPr lang="en-SG" sz="2000" strike="sngStrike" dirty="0"/>
           </a:p>
         </p:txBody>
       </p:sp>
@@ -8036,7 +9325,7 @@
     </p:spTree>
     <p:extLst>
       <p:ext uri="{BB962C8B-B14F-4D97-AF65-F5344CB8AC3E}">
-        <p14:creationId xmlns:p14="http://schemas.microsoft.com/office/powerpoint/2010/main" val="3577131621"/>
+        <p14:creationId xmlns:p14="http://schemas.microsoft.com/office/powerpoint/2010/main" val="3445578383"/>
       </p:ext>
     </p:extLst>
   </p:cSld>
@@ -8139,7 +9428,7 @@
           <p:cNvPr id="2" name="Title 1">
             <a:extLst>
               <a:ext uri="{FF2B5EF4-FFF2-40B4-BE49-F238E27FC236}">
-                <a16:creationId xmlns:a16="http://schemas.microsoft.com/office/drawing/2014/main" id="{41DBDD50-8200-4C06-B662-7131FF3A953C}"/>
+                <a16:creationId xmlns:a16="http://schemas.microsoft.com/office/drawing/2014/main" id="{701DD3E2-5832-4CD7-A281-13A233BEABAD}"/>
               </a:ext>
             </a:extLst>
           </p:cNvPr>
@@ -8164,7 +9453,7 @@
           <a:p>
             <a:r>
               <a:rPr lang="en-US" sz="3600"/>
-              <a:t>Feature engineering</a:t>
+              <a:t>Merging all into one dataframe</a:t>
             </a:r>
             <a:endParaRPr lang="en-SG" sz="3600"/>
           </a:p>
@@ -8175,7 +9464,7 @@
           <p:cNvPr id="3" name="Content Placeholder 2">
             <a:extLst>
               <a:ext uri="{FF2B5EF4-FFF2-40B4-BE49-F238E27FC236}">
-                <a16:creationId xmlns:a16="http://schemas.microsoft.com/office/drawing/2014/main" id="{31170F2F-A679-4919-8199-EE70021F01EF}"/>
+                <a16:creationId xmlns:a16="http://schemas.microsoft.com/office/drawing/2014/main" id="{3226873D-CCFB-4C88-9D44-6B5868D72FE1}"/>
               </a:ext>
             </a:extLst>
           </p:cNvPr>
@@ -8198,31 +9487,7 @@
           </a:bodyPr>
           <a:lstStyle/>
           <a:p>
-            <a:r>
-              <a:rPr lang="en-US" sz="2000" dirty="0"/>
-              <a:t>Encoding</a:t>
-            </a:r>
-          </a:p>
-          <a:p>
-            <a:r>
-              <a:rPr lang="en-US" sz="2000" dirty="0"/>
-              <a:t>Selection?</a:t>
-            </a:r>
-          </a:p>
-          <a:p>
-            <a:r>
-              <a:rPr lang="en-US" sz="2000" dirty="0"/>
-              <a:t>Cross-featuring</a:t>
-            </a:r>
-          </a:p>
-          <a:p>
-            <a:r>
-              <a:rPr lang="en-US" sz="2000" dirty="0"/>
-              <a:t>Extracting dates</a:t>
-            </a:r>
-          </a:p>
-          <a:p>
-            <a:endParaRPr lang="en-SG" sz="2000" dirty="0"/>
+            <a:endParaRPr lang="en-SG" sz="2000"/>
           </a:p>
         </p:txBody>
       </p:sp>
@@ -8497,7 +9762,7 @@
     </p:spTree>
     <p:extLst>
       <p:ext uri="{BB962C8B-B14F-4D97-AF65-F5344CB8AC3E}">
-        <p14:creationId xmlns:p14="http://schemas.microsoft.com/office/powerpoint/2010/main" val="4188671874"/>
+        <p14:creationId xmlns:p14="http://schemas.microsoft.com/office/powerpoint/2010/main" val="3577131621"/>
       </p:ext>
     </p:extLst>
   </p:cSld>
@@ -8600,7 +9865,7 @@
           <p:cNvPr id="2" name="Title 1">
             <a:extLst>
               <a:ext uri="{FF2B5EF4-FFF2-40B4-BE49-F238E27FC236}">
-                <a16:creationId xmlns:a16="http://schemas.microsoft.com/office/drawing/2014/main" id="{AF177FF6-6C67-4151-9963-5C11E452CCE2}"/>
+                <a16:creationId xmlns:a16="http://schemas.microsoft.com/office/drawing/2014/main" id="{41DBDD50-8200-4C06-B662-7131FF3A953C}"/>
               </a:ext>
             </a:extLst>
           </p:cNvPr>
@@ -8625,7 +9890,7 @@
           <a:p>
             <a:r>
               <a:rPr lang="en-US" sz="3600"/>
-              <a:t>Modelling Preparation</a:t>
+              <a:t>Feature engineering</a:t>
             </a:r>
             <a:endParaRPr lang="en-SG" sz="3600"/>
           </a:p>
@@ -8636,7 +9901,7 @@
           <p:cNvPr id="3" name="Content Placeholder 2">
             <a:extLst>
               <a:ext uri="{FF2B5EF4-FFF2-40B4-BE49-F238E27FC236}">
-                <a16:creationId xmlns:a16="http://schemas.microsoft.com/office/drawing/2014/main" id="{B221F34D-7E59-4543-ADF1-F29926BFF691}"/>
+                <a16:creationId xmlns:a16="http://schemas.microsoft.com/office/drawing/2014/main" id="{31170F2F-A679-4919-8199-EE70021F01EF}"/>
               </a:ext>
             </a:extLst>
           </p:cNvPr>
@@ -8660,16 +9925,30 @@
           <a:lstStyle/>
           <a:p>
             <a:r>
-              <a:rPr lang="en-US" sz="2000"/>
-              <a:t>Test-train set</a:t>
-            </a:r>
-          </a:p>
-          <a:p>
-            <a:r>
-              <a:rPr lang="en-US" sz="2000"/>
-              <a:t>Creating x_values for predictions</a:t>
-            </a:r>
-            <a:endParaRPr lang="en-SG" sz="2000"/>
+              <a:rPr lang="en-US" sz="2000" dirty="0"/>
+              <a:t>Encoding</a:t>
+            </a:r>
+          </a:p>
+          <a:p>
+            <a:r>
+              <a:rPr lang="en-US" sz="2000" dirty="0"/>
+              <a:t>Selection?</a:t>
+            </a:r>
+          </a:p>
+          <a:p>
+            <a:r>
+              <a:rPr lang="en-US" sz="2000" dirty="0"/>
+              <a:t>Cross-featuring</a:t>
+            </a:r>
+          </a:p>
+          <a:p>
+            <a:r>
+              <a:rPr lang="en-US" sz="2000" dirty="0"/>
+              <a:t>Extracting dates</a:t>
+            </a:r>
+          </a:p>
+          <a:p>
+            <a:endParaRPr lang="en-SG" sz="2000" dirty="0"/>
           </a:p>
         </p:txBody>
       </p:sp>
@@ -8944,7 +10223,7 @@
     </p:spTree>
     <p:extLst>
       <p:ext uri="{BB962C8B-B14F-4D97-AF65-F5344CB8AC3E}">
-        <p14:creationId xmlns:p14="http://schemas.microsoft.com/office/powerpoint/2010/main" val="3036056430"/>
+        <p14:creationId xmlns:p14="http://schemas.microsoft.com/office/powerpoint/2010/main" val="4188671874"/>
       </p:ext>
     </p:extLst>
   </p:cSld>
@@ -9071,10 +10350,10 @@
           <a:lstStyle/>
           <a:p>
             <a:r>
-              <a:rPr lang="en-US" sz="3600" dirty="0"/>
-              <a:t>Model Design (Time-series)</a:t>
-            </a:r>
-            <a:endParaRPr lang="en-SG" sz="3600" dirty="0"/>
+              <a:rPr lang="en-US" sz="3600"/>
+              <a:t>Modelling Preparation</a:t>
+            </a:r>
+            <a:endParaRPr lang="en-SG" sz="3600"/>
           </a:p>
         </p:txBody>
       </p:sp>
@@ -9107,41 +10386,16 @@
           <a:lstStyle/>
           <a:p>
             <a:r>
-              <a:rPr lang="en-US" sz="2000" dirty="0"/>
-              <a:t>Baseline Model: Regression</a:t>
-            </a:r>
-          </a:p>
-          <a:p>
-            <a:r>
-              <a:rPr lang="en-US" sz="2000" dirty="0"/>
-              <a:t>Statistical: ARIMA, Holt-Winter’s</a:t>
-            </a:r>
-          </a:p>
-          <a:p>
-            <a:r>
-              <a:rPr lang="en-US" sz="2000" dirty="0"/>
-              <a:t>Ensembled: Random Forest, </a:t>
-            </a:r>
-            <a:r>
-              <a:rPr lang="en-US" sz="2000" dirty="0" err="1"/>
-              <a:t>XGBoost</a:t>
-            </a:r>
-            <a:r>
-              <a:rPr lang="en-US" sz="2000" dirty="0"/>
-              <a:t>?</a:t>
-            </a:r>
-          </a:p>
-          <a:p>
-            <a:r>
-              <a:rPr lang="en-US" sz="2000" dirty="0"/>
-              <a:t>Deep-learning: LSTM</a:t>
-            </a:r>
-          </a:p>
-          <a:p>
-            <a:endParaRPr lang="en-US" sz="2000" dirty="0"/>
-          </a:p>
-          <a:p>
-            <a:endParaRPr lang="en-SG" sz="2000" dirty="0"/>
+              <a:rPr lang="en-US" sz="2000"/>
+              <a:t>Test-train set</a:t>
+            </a:r>
+          </a:p>
+          <a:p>
+            <a:r>
+              <a:rPr lang="en-US" sz="2000"/>
+              <a:t>Creating x_values for predictions</a:t>
+            </a:r>
+            <a:endParaRPr lang="en-SG" sz="2000"/>
           </a:p>
         </p:txBody>
       </p:sp>
@@ -9416,7 +10670,7 @@
     </p:spTree>
     <p:extLst>
       <p:ext uri="{BB962C8B-B14F-4D97-AF65-F5344CB8AC3E}">
-        <p14:creationId xmlns:p14="http://schemas.microsoft.com/office/powerpoint/2010/main" val="1167581551"/>
+        <p14:creationId xmlns:p14="http://schemas.microsoft.com/office/powerpoint/2010/main" val="3036056430"/>
       </p:ext>
     </p:extLst>
   </p:cSld>

--- a/references/design.pptx
+++ b/references/design.pptx
@@ -273,7 +273,7 @@
           <a:p>
             <a:fld id="{318C2021-D6AB-44BD-B86D-086A76A2ED36}" type="datetimeFigureOut">
               <a:rPr lang="en-SG" smtClean="0"/>
-              <a:t>26/9/2022</a:t>
+              <a:t>27/9/2022</a:t>
             </a:fld>
             <a:endParaRPr lang="en-SG"/>
           </a:p>
@@ -473,7 +473,7 @@
           <a:p>
             <a:fld id="{318C2021-D6AB-44BD-B86D-086A76A2ED36}" type="datetimeFigureOut">
               <a:rPr lang="en-SG" smtClean="0"/>
-              <a:t>26/9/2022</a:t>
+              <a:t>27/9/2022</a:t>
             </a:fld>
             <a:endParaRPr lang="en-SG"/>
           </a:p>
@@ -683,7 +683,7 @@
           <a:p>
             <a:fld id="{318C2021-D6AB-44BD-B86D-086A76A2ED36}" type="datetimeFigureOut">
               <a:rPr lang="en-SG" smtClean="0"/>
-              <a:t>26/9/2022</a:t>
+              <a:t>27/9/2022</a:t>
             </a:fld>
             <a:endParaRPr lang="en-SG"/>
           </a:p>
@@ -883,7 +883,7 @@
           <a:p>
             <a:fld id="{318C2021-D6AB-44BD-B86D-086A76A2ED36}" type="datetimeFigureOut">
               <a:rPr lang="en-SG" smtClean="0"/>
-              <a:t>26/9/2022</a:t>
+              <a:t>27/9/2022</a:t>
             </a:fld>
             <a:endParaRPr lang="en-SG"/>
           </a:p>
@@ -1159,7 +1159,7 @@
           <a:p>
             <a:fld id="{318C2021-D6AB-44BD-B86D-086A76A2ED36}" type="datetimeFigureOut">
               <a:rPr lang="en-SG" smtClean="0"/>
-              <a:t>26/9/2022</a:t>
+              <a:t>27/9/2022</a:t>
             </a:fld>
             <a:endParaRPr lang="en-SG"/>
           </a:p>
@@ -1427,7 +1427,7 @@
           <a:p>
             <a:fld id="{318C2021-D6AB-44BD-B86D-086A76A2ED36}" type="datetimeFigureOut">
               <a:rPr lang="en-SG" smtClean="0"/>
-              <a:t>26/9/2022</a:t>
+              <a:t>27/9/2022</a:t>
             </a:fld>
             <a:endParaRPr lang="en-SG"/>
           </a:p>
@@ -1842,7 +1842,7 @@
           <a:p>
             <a:fld id="{318C2021-D6AB-44BD-B86D-086A76A2ED36}" type="datetimeFigureOut">
               <a:rPr lang="en-SG" smtClean="0"/>
-              <a:t>26/9/2022</a:t>
+              <a:t>27/9/2022</a:t>
             </a:fld>
             <a:endParaRPr lang="en-SG"/>
           </a:p>
@@ -1984,7 +1984,7 @@
           <a:p>
             <a:fld id="{318C2021-D6AB-44BD-B86D-086A76A2ED36}" type="datetimeFigureOut">
               <a:rPr lang="en-SG" smtClean="0"/>
-              <a:t>26/9/2022</a:t>
+              <a:t>27/9/2022</a:t>
             </a:fld>
             <a:endParaRPr lang="en-SG"/>
           </a:p>
@@ -2097,7 +2097,7 @@
           <a:p>
             <a:fld id="{318C2021-D6AB-44BD-B86D-086A76A2ED36}" type="datetimeFigureOut">
               <a:rPr lang="en-SG" smtClean="0"/>
-              <a:t>26/9/2022</a:t>
+              <a:t>27/9/2022</a:t>
             </a:fld>
             <a:endParaRPr lang="en-SG"/>
           </a:p>
@@ -2410,7 +2410,7 @@
           <a:p>
             <a:fld id="{318C2021-D6AB-44BD-B86D-086A76A2ED36}" type="datetimeFigureOut">
               <a:rPr lang="en-SG" smtClean="0"/>
-              <a:t>26/9/2022</a:t>
+              <a:t>27/9/2022</a:t>
             </a:fld>
             <a:endParaRPr lang="en-SG"/>
           </a:p>
@@ -2699,7 +2699,7 @@
           <a:p>
             <a:fld id="{318C2021-D6AB-44BD-B86D-086A76A2ED36}" type="datetimeFigureOut">
               <a:rPr lang="en-SG" smtClean="0"/>
-              <a:t>26/9/2022</a:t>
+              <a:t>27/9/2022</a:t>
             </a:fld>
             <a:endParaRPr lang="en-SG"/>
           </a:p>
@@ -2942,7 +2942,7 @@
           <a:p>
             <a:fld id="{318C2021-D6AB-44BD-B86D-086A76A2ED36}" type="datetimeFigureOut">
               <a:rPr lang="en-SG" smtClean="0"/>
-              <a:t>26/9/2022</a:t>
+              <a:t>27/9/2022</a:t>
             </a:fld>
             <a:endParaRPr lang="en-SG"/>
           </a:p>

--- a/references/design.pptx
+++ b/references/design.pptx
@@ -11,13 +11,11 @@
     <p:sldId id="271" r:id="rId5"/>
     <p:sldId id="259" r:id="rId6"/>
     <p:sldId id="268" r:id="rId7"/>
-    <p:sldId id="261" r:id="rId8"/>
-    <p:sldId id="260" r:id="rId9"/>
-    <p:sldId id="262" r:id="rId10"/>
-    <p:sldId id="270" r:id="rId11"/>
-    <p:sldId id="266" r:id="rId12"/>
-    <p:sldId id="267" r:id="rId13"/>
-    <p:sldId id="269" r:id="rId14"/>
+    <p:sldId id="260" r:id="rId8"/>
+    <p:sldId id="262" r:id="rId9"/>
+    <p:sldId id="270" r:id="rId10"/>
+    <p:sldId id="266" r:id="rId11"/>
+    <p:sldId id="267" r:id="rId12"/>
   </p:sldIdLst>
   <p:sldSz cx="12192000" cy="6858000"/>
   <p:notesSz cx="6858000" cy="9144000"/>
@@ -273,7 +271,7 @@
           <a:p>
             <a:fld id="{318C2021-D6AB-44BD-B86D-086A76A2ED36}" type="datetimeFigureOut">
               <a:rPr lang="en-SG" smtClean="0"/>
-              <a:t>27/9/2022</a:t>
+              <a:t>29/9/2022</a:t>
             </a:fld>
             <a:endParaRPr lang="en-SG"/>
           </a:p>
@@ -473,7 +471,7 @@
           <a:p>
             <a:fld id="{318C2021-D6AB-44BD-B86D-086A76A2ED36}" type="datetimeFigureOut">
               <a:rPr lang="en-SG" smtClean="0"/>
-              <a:t>27/9/2022</a:t>
+              <a:t>29/9/2022</a:t>
             </a:fld>
             <a:endParaRPr lang="en-SG"/>
           </a:p>
@@ -683,7 +681,7 @@
           <a:p>
             <a:fld id="{318C2021-D6AB-44BD-B86D-086A76A2ED36}" type="datetimeFigureOut">
               <a:rPr lang="en-SG" smtClean="0"/>
-              <a:t>27/9/2022</a:t>
+              <a:t>29/9/2022</a:t>
             </a:fld>
             <a:endParaRPr lang="en-SG"/>
           </a:p>
@@ -883,7 +881,7 @@
           <a:p>
             <a:fld id="{318C2021-D6AB-44BD-B86D-086A76A2ED36}" type="datetimeFigureOut">
               <a:rPr lang="en-SG" smtClean="0"/>
-              <a:t>27/9/2022</a:t>
+              <a:t>29/9/2022</a:t>
             </a:fld>
             <a:endParaRPr lang="en-SG"/>
           </a:p>
@@ -1159,7 +1157,7 @@
           <a:p>
             <a:fld id="{318C2021-D6AB-44BD-B86D-086A76A2ED36}" type="datetimeFigureOut">
               <a:rPr lang="en-SG" smtClean="0"/>
-              <a:t>27/9/2022</a:t>
+              <a:t>29/9/2022</a:t>
             </a:fld>
             <a:endParaRPr lang="en-SG"/>
           </a:p>
@@ -1427,7 +1425,7 @@
           <a:p>
             <a:fld id="{318C2021-D6AB-44BD-B86D-086A76A2ED36}" type="datetimeFigureOut">
               <a:rPr lang="en-SG" smtClean="0"/>
-              <a:t>27/9/2022</a:t>
+              <a:t>29/9/2022</a:t>
             </a:fld>
             <a:endParaRPr lang="en-SG"/>
           </a:p>
@@ -1842,7 +1840,7 @@
           <a:p>
             <a:fld id="{318C2021-D6AB-44BD-B86D-086A76A2ED36}" type="datetimeFigureOut">
               <a:rPr lang="en-SG" smtClean="0"/>
-              <a:t>27/9/2022</a:t>
+              <a:t>29/9/2022</a:t>
             </a:fld>
             <a:endParaRPr lang="en-SG"/>
           </a:p>
@@ -1984,7 +1982,7 @@
           <a:p>
             <a:fld id="{318C2021-D6AB-44BD-B86D-086A76A2ED36}" type="datetimeFigureOut">
               <a:rPr lang="en-SG" smtClean="0"/>
-              <a:t>27/9/2022</a:t>
+              <a:t>29/9/2022</a:t>
             </a:fld>
             <a:endParaRPr lang="en-SG"/>
           </a:p>
@@ -2097,7 +2095,7 @@
           <a:p>
             <a:fld id="{318C2021-D6AB-44BD-B86D-086A76A2ED36}" type="datetimeFigureOut">
               <a:rPr lang="en-SG" smtClean="0"/>
-              <a:t>27/9/2022</a:t>
+              <a:t>29/9/2022</a:t>
             </a:fld>
             <a:endParaRPr lang="en-SG"/>
           </a:p>
@@ -2410,7 +2408,7 @@
           <a:p>
             <a:fld id="{318C2021-D6AB-44BD-B86D-086A76A2ED36}" type="datetimeFigureOut">
               <a:rPr lang="en-SG" smtClean="0"/>
-              <a:t>27/9/2022</a:t>
+              <a:t>29/9/2022</a:t>
             </a:fld>
             <a:endParaRPr lang="en-SG"/>
           </a:p>
@@ -2699,7 +2697,7 @@
           <a:p>
             <a:fld id="{318C2021-D6AB-44BD-B86D-086A76A2ED36}" type="datetimeFigureOut">
               <a:rPr lang="en-SG" smtClean="0"/>
-              <a:t>27/9/2022</a:t>
+              <a:t>29/9/2022</a:t>
             </a:fld>
             <a:endParaRPr lang="en-SG"/>
           </a:p>
@@ -2942,7 +2940,7 @@
           <a:p>
             <a:fld id="{318C2021-D6AB-44BD-B86D-086A76A2ED36}" type="datetimeFigureOut">
               <a:rPr lang="en-SG" smtClean="0"/>
-              <a:t>27/9/2022</a:t>
+              <a:t>29/9/2022</a:t>
             </a:fld>
             <a:endParaRPr lang="en-SG"/>
           </a:p>
@@ -4712,7 +4710,7 @@
           <p:cNvPr id="2" name="Title 1">
             <a:extLst>
               <a:ext uri="{FF2B5EF4-FFF2-40B4-BE49-F238E27FC236}">
-                <a16:creationId xmlns:a16="http://schemas.microsoft.com/office/drawing/2014/main" id="{AF177FF6-6C67-4151-9963-5C11E452CCE2}"/>
+                <a16:creationId xmlns:a16="http://schemas.microsoft.com/office/drawing/2014/main" id="{CF9A36E0-84B0-4296-A9F7-E5FFBD321B85}"/>
               </a:ext>
             </a:extLst>
           </p:cNvPr>
@@ -4737,7 +4735,7 @@
           <a:p>
             <a:r>
               <a:rPr lang="en-US" sz="3600" dirty="0"/>
-              <a:t>Model Design (Time-series)</a:t>
+              <a:t>Hyperparameter tuning</a:t>
             </a:r>
             <a:endParaRPr lang="en-SG" sz="3600" dirty="0"/>
           </a:p>
@@ -4748,7 +4746,7 @@
           <p:cNvPr id="3" name="Content Placeholder 2">
             <a:extLst>
               <a:ext uri="{FF2B5EF4-FFF2-40B4-BE49-F238E27FC236}">
-                <a16:creationId xmlns:a16="http://schemas.microsoft.com/office/drawing/2014/main" id="{B221F34D-7E59-4543-ADF1-F29926BFF691}"/>
+                <a16:creationId xmlns:a16="http://schemas.microsoft.com/office/drawing/2014/main" id="{731709A8-992D-47FC-A668-A7DCA45E1709}"/>
               </a:ext>
             </a:extLst>
           </p:cNvPr>
@@ -4772,41 +4770,15 @@
           <a:lstStyle/>
           <a:p>
             <a:r>
-              <a:rPr lang="en-US" sz="2000" dirty="0"/>
-              <a:t>Baseline Model: Regression</a:t>
-            </a:r>
-          </a:p>
-          <a:p>
-            <a:r>
-              <a:rPr lang="en-US" sz="2000" dirty="0"/>
-              <a:t>Statistical: ARIMA, Holt-Winter’s</a:t>
-            </a:r>
-          </a:p>
-          <a:p>
-            <a:r>
-              <a:rPr lang="en-US" sz="2000" dirty="0"/>
-              <a:t>Ensembled: Random Forest, </a:t>
-            </a:r>
-            <a:r>
-              <a:rPr lang="en-US" sz="2000" dirty="0" err="1"/>
-              <a:t>XGBoost</a:t>
-            </a:r>
-            <a:r>
-              <a:rPr lang="en-US" sz="2000" dirty="0"/>
-              <a:t>?</a:t>
-            </a:r>
-          </a:p>
-          <a:p>
-            <a:r>
-              <a:rPr lang="en-US" sz="2000" dirty="0"/>
-              <a:t>Deep-learning: LSTM</a:t>
-            </a:r>
-          </a:p>
-          <a:p>
-            <a:endParaRPr lang="en-US" sz="2000" dirty="0"/>
-          </a:p>
-          <a:p>
-            <a:endParaRPr lang="en-SG" sz="2000" dirty="0"/>
+              <a:rPr lang="en-SG" sz="2000" dirty="0"/>
+              <a:t>Tree models</a:t>
+            </a:r>
+          </a:p>
+          <a:p>
+            <a:r>
+              <a:rPr lang="en-SG" sz="2000" dirty="0"/>
+              <a:t>LSTM</a:t>
+            </a:r>
           </a:p>
         </p:txBody>
       </p:sp>
@@ -5081,7 +5053,7 @@
     </p:spTree>
     <p:extLst>
       <p:ext uri="{BB962C8B-B14F-4D97-AF65-F5344CB8AC3E}">
-        <p14:creationId xmlns:p14="http://schemas.microsoft.com/office/powerpoint/2010/main" val="1167581551"/>
+        <p14:creationId xmlns:p14="http://schemas.microsoft.com/office/powerpoint/2010/main" val="1807398816"/>
       </p:ext>
     </p:extLst>
   </p:cSld>
@@ -5184,7 +5156,7 @@
           <p:cNvPr id="2" name="Title 1">
             <a:extLst>
               <a:ext uri="{FF2B5EF4-FFF2-40B4-BE49-F238E27FC236}">
-                <a16:creationId xmlns:a16="http://schemas.microsoft.com/office/drawing/2014/main" id="{CF9A36E0-84B0-4296-A9F7-E5FFBD321B85}"/>
+                <a16:creationId xmlns:a16="http://schemas.microsoft.com/office/drawing/2014/main" id="{B133122C-3E2C-49AC-9926-45054A685900}"/>
               </a:ext>
             </a:extLst>
           </p:cNvPr>
@@ -5209,7 +5181,7 @@
           <a:p>
             <a:r>
               <a:rPr lang="en-US" sz="3600"/>
-              <a:t>Hyperparameter tuning</a:t>
+              <a:t>Evaluation</a:t>
             </a:r>
             <a:endParaRPr lang="en-SG" sz="3600"/>
           </a:p>
@@ -5220,7 +5192,7 @@
           <p:cNvPr id="3" name="Content Placeholder 2">
             <a:extLst>
               <a:ext uri="{FF2B5EF4-FFF2-40B4-BE49-F238E27FC236}">
-                <a16:creationId xmlns:a16="http://schemas.microsoft.com/office/drawing/2014/main" id="{731709A8-992D-47FC-A668-A7DCA45E1709}"/>
+                <a16:creationId xmlns:a16="http://schemas.microsoft.com/office/drawing/2014/main" id="{3F0186C4-0A73-455E-83A7-70C399A333DF}"/>
               </a:ext>
             </a:extLst>
           </p:cNvPr>
@@ -5243,7 +5215,10 @@
           </a:bodyPr>
           <a:lstStyle/>
           <a:p>
-            <a:endParaRPr lang="en-SG" sz="2000"/>
+            <a:r>
+              <a:rPr lang="en-SG" sz="2000" dirty="0"/>
+              <a:t>Cross validation</a:t>
+            </a:r>
           </a:p>
         </p:txBody>
       </p:sp>
@@ -5518,547 +5493,7 @@
     </p:spTree>
     <p:extLst>
       <p:ext uri="{BB962C8B-B14F-4D97-AF65-F5344CB8AC3E}">
-        <p14:creationId xmlns:p14="http://schemas.microsoft.com/office/powerpoint/2010/main" val="1807398816"/>
-      </p:ext>
-    </p:extLst>
-  </p:cSld>
-  <p:clrMapOvr>
-    <a:masterClrMapping/>
-  </p:clrMapOvr>
-</p:sld>
-</file>
-
-<file path=ppt/slides/slide12.xml><?xml version="1.0" encoding="utf-8"?>
-<p:sld xmlns:a="http://schemas.openxmlformats.org/drawingml/2006/main" xmlns:r="http://schemas.openxmlformats.org/officeDocument/2006/relationships" xmlns:p="http://schemas.openxmlformats.org/presentationml/2006/main">
-  <p:cSld>
-    <p:bg>
-      <p:bgPr>
-        <a:solidFill>
-          <a:schemeClr val="bg1"/>
-        </a:solidFill>
-        <a:effectLst/>
-      </p:bgPr>
-    </p:bg>
-    <p:spTree>
-      <p:nvGrpSpPr>
-        <p:cNvPr id="1" name=""/>
-        <p:cNvGrpSpPr/>
-        <p:nvPr/>
-      </p:nvGrpSpPr>
-      <p:grpSpPr>
-        <a:xfrm>
-          <a:off x="0" y="0"/>
-          <a:ext cx="0" cy="0"/>
-          <a:chOff x="0" y="0"/>
-          <a:chExt cx="0" cy="0"/>
-        </a:xfrm>
-      </p:grpSpPr>
-      <p:sp>
-        <p:nvSpPr>
-          <p:cNvPr id="8" name="Rectangle 7">
-            <a:extLst>
-              <a:ext uri="{FF2B5EF4-FFF2-40B4-BE49-F238E27FC236}">
-                <a16:creationId xmlns:a16="http://schemas.microsoft.com/office/drawing/2014/main" id="{2B566528-1B12-4246-9431-5C2D7D081168}"/>
-              </a:ext>
-              <a:ext uri="{C183D7F6-B498-43B3-948B-1728B52AA6E4}">
-                <adec:decorative xmlns:adec="http://schemas.microsoft.com/office/drawing/2017/decorative" val="1"/>
-              </a:ext>
-            </a:extLst>
-          </p:cNvPr>
-          <p:cNvSpPr>
-            <a:spLocks noGrp="1" noRot="1" noChangeAspect="1" noMove="1" noResize="1" noEditPoints="1" noAdjustHandles="1" noChangeArrowheads="1" noChangeShapeType="1" noTextEdit="1"/>
-          </p:cNvSpPr>
-          <p:nvPr>
-            <p:extLst>
-              <p:ext uri="{386F3935-93C4-4BCD-93E2-E3B085C9AB24}">
-                <p16:designElem xmlns:p16="http://schemas.microsoft.com/office/powerpoint/2015/main" val="1"/>
-              </p:ext>
-            </p:extLst>
-          </p:nvPr>
-        </p:nvSpPr>
-        <p:spPr>
-          <a:xfrm>
-            <a:off x="0" y="0"/>
-            <a:ext cx="12192000" cy="6858000"/>
-          </a:xfrm>
-          <a:prstGeom prst="rect">
-            <a:avLst/>
-          </a:prstGeom>
-          <a:solidFill>
-            <a:schemeClr val="bg1"/>
-          </a:solidFill>
-          <a:ln>
-            <a:noFill/>
-          </a:ln>
-        </p:spPr>
-        <p:style>
-          <a:lnRef idx="2">
-            <a:schemeClr val="accent1">
-              <a:shade val="50000"/>
-            </a:schemeClr>
-          </a:lnRef>
-          <a:fillRef idx="1">
-            <a:schemeClr val="accent1"/>
-          </a:fillRef>
-          <a:effectRef idx="0">
-            <a:schemeClr val="accent1"/>
-          </a:effectRef>
-          <a:fontRef idx="minor">
-            <a:schemeClr val="lt1"/>
-          </a:fontRef>
-        </p:style>
-        <p:txBody>
-          <a:bodyPr rtlCol="0" anchor="ctr"/>
-          <a:lstStyle/>
-          <a:p>
-            <a:pPr algn="ctr"/>
-            <a:endParaRPr lang="en-US" dirty="0"/>
-          </a:p>
-        </p:txBody>
-      </p:sp>
-      <p:sp>
-        <p:nvSpPr>
-          <p:cNvPr id="2" name="Title 1">
-            <a:extLst>
-              <a:ext uri="{FF2B5EF4-FFF2-40B4-BE49-F238E27FC236}">
-                <a16:creationId xmlns:a16="http://schemas.microsoft.com/office/drawing/2014/main" id="{B133122C-3E2C-49AC-9926-45054A685900}"/>
-              </a:ext>
-            </a:extLst>
-          </p:cNvPr>
-          <p:cNvSpPr>
-            <a:spLocks noGrp="1"/>
-          </p:cNvSpPr>
-          <p:nvPr>
-            <p:ph type="title"/>
-          </p:nvPr>
-        </p:nvSpPr>
-        <p:spPr>
-          <a:xfrm>
-            <a:off x="643467" y="321734"/>
-            <a:ext cx="10905066" cy="1135737"/>
-          </a:xfrm>
-        </p:spPr>
-        <p:txBody>
-          <a:bodyPr>
-            <a:normAutofit/>
-          </a:bodyPr>
-          <a:lstStyle/>
-          <a:p>
-            <a:r>
-              <a:rPr lang="en-US" sz="3600"/>
-              <a:t>Evaluation</a:t>
-            </a:r>
-            <a:endParaRPr lang="en-SG" sz="3600"/>
-          </a:p>
-        </p:txBody>
-      </p:sp>
-      <p:sp>
-        <p:nvSpPr>
-          <p:cNvPr id="3" name="Content Placeholder 2">
-            <a:extLst>
-              <a:ext uri="{FF2B5EF4-FFF2-40B4-BE49-F238E27FC236}">
-                <a16:creationId xmlns:a16="http://schemas.microsoft.com/office/drawing/2014/main" id="{3F0186C4-0A73-455E-83A7-70C399A333DF}"/>
-              </a:ext>
-            </a:extLst>
-          </p:cNvPr>
-          <p:cNvSpPr>
-            <a:spLocks noGrp="1"/>
-          </p:cNvSpPr>
-          <p:nvPr>
-            <p:ph idx="1"/>
-          </p:nvPr>
-        </p:nvSpPr>
-        <p:spPr>
-          <a:xfrm>
-            <a:off x="643467" y="1782981"/>
-            <a:ext cx="10905066" cy="4393982"/>
-          </a:xfrm>
-        </p:spPr>
-        <p:txBody>
-          <a:bodyPr>
-            <a:normAutofit/>
-          </a:bodyPr>
-          <a:lstStyle/>
-          <a:p>
-            <a:endParaRPr lang="en-SG" sz="2000"/>
-          </a:p>
-        </p:txBody>
-      </p:sp>
-      <p:sp>
-        <p:nvSpPr>
-          <p:cNvPr id="10" name="Rectangle 9">
-            <a:extLst>
-              <a:ext uri="{FF2B5EF4-FFF2-40B4-BE49-F238E27FC236}">
-                <a16:creationId xmlns:a16="http://schemas.microsoft.com/office/drawing/2014/main" id="{2E80C965-DB6D-4F81-9E9E-B027384D0BD6}"/>
-              </a:ext>
-              <a:ext uri="{C183D7F6-B498-43B3-948B-1728B52AA6E4}">
-                <adec:decorative xmlns:adec="http://schemas.microsoft.com/office/drawing/2017/decorative" val="1"/>
-              </a:ext>
-            </a:extLst>
-          </p:cNvPr>
-          <p:cNvSpPr>
-            <a:spLocks noGrp="1" noRot="1" noChangeAspect="1" noMove="1" noResize="1" noEditPoints="1" noAdjustHandles="1" noChangeArrowheads="1" noChangeShapeType="1" noTextEdit="1"/>
-          </p:cNvSpPr>
-          <p:nvPr>
-            <p:extLst>
-              <p:ext uri="{386F3935-93C4-4BCD-93E2-E3B085C9AB24}">
-                <p16:designElem xmlns:p16="http://schemas.microsoft.com/office/powerpoint/2015/main" val="1"/>
-              </p:ext>
-            </p:extLst>
-          </p:nvPr>
-        </p:nvSpPr>
-        <p:spPr>
-          <a:xfrm rot="2700000">
-            <a:off x="11052629" y="2120024"/>
-            <a:ext cx="645368" cy="645368"/>
-          </a:xfrm>
-          <a:prstGeom prst="rect">
-            <a:avLst/>
-          </a:prstGeom>
-          <a:solidFill>
-            <a:schemeClr val="accent4">
-              <a:alpha val="30000"/>
-            </a:schemeClr>
-          </a:solidFill>
-          <a:ln>
-            <a:noFill/>
-          </a:ln>
-        </p:spPr>
-        <p:style>
-          <a:lnRef idx="2">
-            <a:schemeClr val="accent1">
-              <a:shade val="50000"/>
-            </a:schemeClr>
-          </a:lnRef>
-          <a:fillRef idx="1">
-            <a:schemeClr val="accent1"/>
-          </a:fillRef>
-          <a:effectRef idx="0">
-            <a:schemeClr val="accent1"/>
-          </a:effectRef>
-          <a:fontRef idx="minor">
-            <a:schemeClr val="lt1"/>
-          </a:fontRef>
-        </p:style>
-        <p:txBody>
-          <a:bodyPr rtlCol="0" anchor="ctr"/>
-          <a:lstStyle/>
-          <a:p>
-            <a:pPr algn="ctr"/>
-            <a:endParaRPr lang="en-US"/>
-          </a:p>
-        </p:txBody>
-      </p:sp>
-      <p:sp>
-        <p:nvSpPr>
-          <p:cNvPr id="12" name="Isosceles Triangle 11">
-            <a:extLst>
-              <a:ext uri="{FF2B5EF4-FFF2-40B4-BE49-F238E27FC236}">
-                <a16:creationId xmlns:a16="http://schemas.microsoft.com/office/drawing/2014/main" id="{A580F890-B085-4E95-96AA-55AEBEC5CE6E}"/>
-              </a:ext>
-              <a:ext uri="{C183D7F6-B498-43B3-948B-1728B52AA6E4}">
-                <adec:decorative xmlns:adec="http://schemas.microsoft.com/office/drawing/2017/decorative" val="1"/>
-              </a:ext>
-            </a:extLst>
-          </p:cNvPr>
-          <p:cNvSpPr>
-            <a:spLocks noGrp="1" noRot="1" noChangeAspect="1" noMove="1" noResize="1" noEditPoints="1" noAdjustHandles="1" noChangeArrowheads="1" noChangeShapeType="1" noTextEdit="1"/>
-          </p:cNvSpPr>
-          <p:nvPr>
-            <p:extLst>
-              <p:ext uri="{386F3935-93C4-4BCD-93E2-E3B085C9AB24}">
-                <p16:designElem xmlns:p16="http://schemas.microsoft.com/office/powerpoint/2015/main" val="1"/>
-              </p:ext>
-            </p:extLst>
-          </p:nvPr>
-        </p:nvSpPr>
-        <p:spPr>
-          <a:xfrm rot="16200000">
-            <a:off x="10289068" y="1343027"/>
-            <a:ext cx="2532832" cy="1273032"/>
-          </a:xfrm>
-          <a:prstGeom prst="triangle">
-            <a:avLst>
-              <a:gd name="adj" fmla="val 50000"/>
-            </a:avLst>
-          </a:prstGeom>
-          <a:solidFill>
-            <a:schemeClr val="accent4">
-              <a:alpha val="30000"/>
-            </a:schemeClr>
-          </a:solidFill>
-          <a:ln>
-            <a:noFill/>
-          </a:ln>
-        </p:spPr>
-        <p:style>
-          <a:lnRef idx="2">
-            <a:schemeClr val="accent1">
-              <a:shade val="50000"/>
-            </a:schemeClr>
-          </a:lnRef>
-          <a:fillRef idx="1">
-            <a:schemeClr val="accent1"/>
-          </a:fillRef>
-          <a:effectRef idx="0">
-            <a:schemeClr val="accent1"/>
-          </a:effectRef>
-          <a:fontRef idx="minor">
-            <a:schemeClr val="lt1"/>
-          </a:fontRef>
-        </p:style>
-        <p:txBody>
-          <a:bodyPr rtlCol="0" anchor="ctr"/>
-          <a:lstStyle/>
-          <a:p>
-            <a:pPr algn="ctr"/>
-            <a:endParaRPr lang="en-US"/>
-          </a:p>
-        </p:txBody>
-      </p:sp>
-      <p:sp>
-        <p:nvSpPr>
-          <p:cNvPr id="14" name="Isosceles Triangle 13">
-            <a:extLst>
-              <a:ext uri="{FF2B5EF4-FFF2-40B4-BE49-F238E27FC236}">
-                <a16:creationId xmlns:a16="http://schemas.microsoft.com/office/drawing/2014/main" id="{D3F51FEB-38FB-4F6C-9F7B-2F2AFAB65463}"/>
-              </a:ext>
-              <a:ext uri="{C183D7F6-B498-43B3-948B-1728B52AA6E4}">
-                <adec:decorative xmlns:adec="http://schemas.microsoft.com/office/drawing/2017/decorative" val="1"/>
-              </a:ext>
-            </a:extLst>
-          </p:cNvPr>
-          <p:cNvSpPr>
-            <a:spLocks noGrp="1" noRot="1" noChangeAspect="1" noMove="1" noResize="1" noEditPoints="1" noAdjustHandles="1" noChangeArrowheads="1" noChangeShapeType="1" noTextEdit="1"/>
-          </p:cNvSpPr>
-          <p:nvPr>
-            <p:extLst>
-              <p:ext uri="{386F3935-93C4-4BCD-93E2-E3B085C9AB24}">
-                <p16:designElem xmlns:p16="http://schemas.microsoft.com/office/powerpoint/2015/main" val="1"/>
-              </p:ext>
-            </p:extLst>
-          </p:nvPr>
-        </p:nvSpPr>
-        <p:spPr>
-          <a:xfrm rot="5400000">
-            <a:off x="-501760" y="5103257"/>
-            <a:ext cx="2017580" cy="1014060"/>
-          </a:xfrm>
-          <a:prstGeom prst="triangle">
-            <a:avLst>
-              <a:gd name="adj" fmla="val 50000"/>
-            </a:avLst>
-          </a:prstGeom>
-          <a:solidFill>
-            <a:schemeClr val="accent1">
-              <a:alpha val="30000"/>
-            </a:schemeClr>
-          </a:solidFill>
-          <a:ln>
-            <a:noFill/>
-          </a:ln>
-        </p:spPr>
-        <p:style>
-          <a:lnRef idx="2">
-            <a:schemeClr val="accent1">
-              <a:shade val="50000"/>
-            </a:schemeClr>
-          </a:lnRef>
-          <a:fillRef idx="1">
-            <a:schemeClr val="accent1"/>
-          </a:fillRef>
-          <a:effectRef idx="0">
-            <a:schemeClr val="accent1"/>
-          </a:effectRef>
-          <a:fontRef idx="minor">
-            <a:schemeClr val="lt1"/>
-          </a:fontRef>
-        </p:style>
-        <p:txBody>
-          <a:bodyPr wrap="square" rtlCol="0" anchor="ctr">
-            <a:noAutofit/>
-          </a:bodyPr>
-          <a:lstStyle/>
-          <a:p>
-            <a:pPr algn="ctr"/>
-            <a:endParaRPr lang="en-US"/>
-          </a:p>
-        </p:txBody>
-      </p:sp>
-      <p:sp>
-        <p:nvSpPr>
-          <p:cNvPr id="16" name="Rectangle 15">
-            <a:extLst>
-              <a:ext uri="{FF2B5EF4-FFF2-40B4-BE49-F238E27FC236}">
-                <a16:creationId xmlns:a16="http://schemas.microsoft.com/office/drawing/2014/main" id="{1E547BA6-BAE0-43BB-A7CA-60F69CE252F0}"/>
-              </a:ext>
-              <a:ext uri="{C183D7F6-B498-43B3-948B-1728B52AA6E4}">
-                <adec:decorative xmlns:adec="http://schemas.microsoft.com/office/drawing/2017/decorative" val="1"/>
-              </a:ext>
-            </a:extLst>
-          </p:cNvPr>
-          <p:cNvSpPr>
-            <a:spLocks noGrp="1" noRot="1" noChangeAspect="1" noMove="1" noResize="1" noEditPoints="1" noAdjustHandles="1" noChangeArrowheads="1" noChangeShapeType="1" noTextEdit="1"/>
-          </p:cNvSpPr>
-          <p:nvPr>
-            <p:extLst>
-              <p:ext uri="{386F3935-93C4-4BCD-93E2-E3B085C9AB24}">
-                <p16:designElem xmlns:p16="http://schemas.microsoft.com/office/powerpoint/2015/main" val="1"/>
-              </p:ext>
-            </p:extLst>
-          </p:nvPr>
-        </p:nvSpPr>
-        <p:spPr>
-          <a:xfrm rot="2700000">
-            <a:off x="427916" y="5728708"/>
-            <a:ext cx="485578" cy="485578"/>
-          </a:xfrm>
-          <a:prstGeom prst="rect">
-            <a:avLst/>
-          </a:prstGeom>
-          <a:solidFill>
-            <a:schemeClr val="accent1">
-              <a:alpha val="30000"/>
-            </a:schemeClr>
-          </a:solidFill>
-          <a:ln>
-            <a:noFill/>
-          </a:ln>
-        </p:spPr>
-        <p:style>
-          <a:lnRef idx="2">
-            <a:schemeClr val="accent1">
-              <a:shade val="50000"/>
-            </a:schemeClr>
-          </a:lnRef>
-          <a:fillRef idx="1">
-            <a:schemeClr val="accent1"/>
-          </a:fillRef>
-          <a:effectRef idx="0">
-            <a:schemeClr val="accent1"/>
-          </a:effectRef>
-          <a:fontRef idx="minor">
-            <a:schemeClr val="lt1"/>
-          </a:fontRef>
-        </p:style>
-        <p:txBody>
-          <a:bodyPr wrap="square" rtlCol="0" anchor="ctr">
-            <a:noAutofit/>
-          </a:bodyPr>
-          <a:lstStyle/>
-          <a:p>
-            <a:pPr algn="ctr"/>
-            <a:endParaRPr lang="en-US"/>
-          </a:p>
-        </p:txBody>
-      </p:sp>
-    </p:spTree>
-    <p:extLst>
-      <p:ext uri="{BB962C8B-B14F-4D97-AF65-F5344CB8AC3E}">
         <p14:creationId xmlns:p14="http://schemas.microsoft.com/office/powerpoint/2010/main" val="3407921826"/>
-      </p:ext>
-    </p:extLst>
-  </p:cSld>
-  <p:clrMapOvr>
-    <a:masterClrMapping/>
-  </p:clrMapOvr>
-</p:sld>
-</file>
-
-<file path=ppt/slides/slide13.xml><?xml version="1.0" encoding="utf-8"?>
-<p:sld xmlns:a="http://schemas.openxmlformats.org/drawingml/2006/main" xmlns:r="http://schemas.openxmlformats.org/officeDocument/2006/relationships" xmlns:p="http://schemas.openxmlformats.org/presentationml/2006/main">
-  <p:cSld>
-    <p:spTree>
-      <p:nvGrpSpPr>
-        <p:cNvPr id="1" name=""/>
-        <p:cNvGrpSpPr/>
-        <p:nvPr/>
-      </p:nvGrpSpPr>
-      <p:grpSpPr>
-        <a:xfrm>
-          <a:off x="0" y="0"/>
-          <a:ext cx="0" cy="0"/>
-          <a:chOff x="0" y="0"/>
-          <a:chExt cx="0" cy="0"/>
-        </a:xfrm>
-      </p:grpSpPr>
-      <p:sp>
-        <p:nvSpPr>
-          <p:cNvPr id="2" name="Title 1">
-            <a:extLst>
-              <a:ext uri="{FF2B5EF4-FFF2-40B4-BE49-F238E27FC236}">
-                <a16:creationId xmlns:a16="http://schemas.microsoft.com/office/drawing/2014/main" id="{9549B0CE-0287-4E2F-9F4A-31695C5EE4B9}"/>
-              </a:ext>
-            </a:extLst>
-          </p:cNvPr>
-          <p:cNvSpPr>
-            <a:spLocks noGrp="1"/>
-          </p:cNvSpPr>
-          <p:nvPr>
-            <p:ph type="title"/>
-          </p:nvPr>
-        </p:nvSpPr>
-        <p:spPr/>
-        <p:txBody>
-          <a:bodyPr/>
-          <a:lstStyle/>
-          <a:p>
-            <a:r>
-              <a:rPr lang="en-US" dirty="0"/>
-              <a:t>Additional Considerations</a:t>
-            </a:r>
-            <a:endParaRPr lang="en-SG" dirty="0"/>
-          </a:p>
-        </p:txBody>
-      </p:sp>
-      <p:sp>
-        <p:nvSpPr>
-          <p:cNvPr id="3" name="Content Placeholder 2">
-            <a:extLst>
-              <a:ext uri="{FF2B5EF4-FFF2-40B4-BE49-F238E27FC236}">
-                <a16:creationId xmlns:a16="http://schemas.microsoft.com/office/drawing/2014/main" id="{D1C06C5B-8938-4456-8EA7-FE7F179541AD}"/>
-              </a:ext>
-            </a:extLst>
-          </p:cNvPr>
-          <p:cNvSpPr>
-            <a:spLocks noGrp="1"/>
-          </p:cNvSpPr>
-          <p:nvPr>
-            <p:ph idx="1"/>
-          </p:nvPr>
-        </p:nvSpPr>
-        <p:spPr/>
-        <p:txBody>
-          <a:bodyPr/>
-          <a:lstStyle/>
-          <a:p>
-            <a:r>
-              <a:rPr lang="en-US" dirty="0"/>
-              <a:t>Perform more detailed EDA:</a:t>
-            </a:r>
-          </a:p>
-          <a:p>
-            <a:pPr lvl="1"/>
-            <a:r>
-              <a:rPr lang="en-US" dirty="0"/>
-              <a:t>E.g. sales performance</a:t>
-            </a:r>
-            <a:r>
-              <a:rPr lang="en-SG" dirty="0"/>
-              <a:t>, customer preferences</a:t>
-            </a:r>
-            <a:r>
-              <a:rPr lang="en-SG"/>
-              <a:t>, locations</a:t>
-            </a:r>
-            <a:endParaRPr lang="en-US" dirty="0"/>
-          </a:p>
-        </p:txBody>
-      </p:sp>
-    </p:spTree>
-    <p:extLst>
-      <p:ext uri="{BB962C8B-B14F-4D97-AF65-F5344CB8AC3E}">
-        <p14:creationId xmlns:p14="http://schemas.microsoft.com/office/powerpoint/2010/main" val="2171746209"/>
       </p:ext>
     </p:extLst>
   </p:cSld>
@@ -7254,9 +6689,16 @@
           <a:p>
             <a:r>
               <a:rPr lang="en-US" sz="3600" dirty="0"/>
-              <a:t>Data Format</a:t>
-            </a:r>
-            <a:endParaRPr lang="en-SG" sz="3600" dirty="0"/>
+              <a:t>Data Format (Merging all data)</a:t>
+            </a:r>
+            <a:br>
+              <a:rPr lang="en-US" sz="3600" dirty="0"/>
+            </a:br>
+            <a:r>
+              <a:rPr lang="en-US" sz="2000" dirty="0"/>
+              <a:t>Matching of holiday date and celebrated location to store location </a:t>
+            </a:r>
+            <a:endParaRPr lang="en-SG" sz="2000" dirty="0"/>
           </a:p>
         </p:txBody>
       </p:sp>
@@ -8390,7 +7832,7 @@
 </file>
 
 <file path=ppt/slides/slide5.xml><?xml version="1.0" encoding="utf-8"?>
-<p:sld xmlns:a="http://schemas.openxmlformats.org/drawingml/2006/main" xmlns:r="http://schemas.openxmlformats.org/officeDocument/2006/relationships" xmlns:p="http://schemas.openxmlformats.org/presentationml/2006/main" show="0">
+<p:sld xmlns:a="http://schemas.openxmlformats.org/drawingml/2006/main" xmlns:r="http://schemas.openxmlformats.org/officeDocument/2006/relationships" xmlns:p="http://schemas.openxmlformats.org/presentationml/2006/main">
   <p:cSld>
     <p:bg>
       <p:bgPr>
@@ -8506,10 +7948,10 @@
           <a:lstStyle/>
           <a:p>
             <a:r>
-              <a:rPr lang="en-US" sz="3600"/>
-              <a:t>Data exploration</a:t>
-            </a:r>
-            <a:endParaRPr lang="en-SG" sz="3600"/>
+              <a:rPr lang="en-US" sz="3600" dirty="0"/>
+              <a:t>Data exploration, EDA</a:t>
+            </a:r>
+            <a:endParaRPr lang="en-SG" sz="3600" dirty="0"/>
           </a:p>
         </p:txBody>
       </p:sp>
@@ -8542,8 +7984,52 @@
           <a:lstStyle/>
           <a:p>
             <a:r>
-              <a:rPr lang="en-US" sz="2000"/>
-              <a:t>Check for duplicates, typos, NULL values, distributions…</a:t>
+              <a:rPr lang="en-US" sz="2000" dirty="0"/>
+              <a:t>In overall, which stores has the most sales?</a:t>
+            </a:r>
+          </a:p>
+          <a:p>
+            <a:pPr lvl="1"/>
+            <a:r>
+              <a:rPr lang="en-US" sz="1600" dirty="0"/>
+              <a:t>Split by family category, location, holiday</a:t>
+            </a:r>
+          </a:p>
+          <a:p>
+            <a:r>
+              <a:rPr lang="en-SG" sz="2000" dirty="0"/>
+              <a:t>Across time, analyse sales by:</a:t>
+            </a:r>
+          </a:p>
+          <a:p>
+            <a:pPr lvl="1"/>
+            <a:r>
+              <a:rPr lang="en-SG" sz="1600" dirty="0"/>
+              <a:t>Store</a:t>
+            </a:r>
+          </a:p>
+          <a:p>
+            <a:pPr lvl="1"/>
+            <a:r>
+              <a:rPr lang="en-SG" sz="1600" dirty="0"/>
+              <a:t>Location</a:t>
+            </a:r>
+          </a:p>
+          <a:p>
+            <a:pPr lvl="1"/>
+            <a:r>
+              <a:rPr lang="en-SG" sz="1600" dirty="0" err="1"/>
+              <a:t>Store_type</a:t>
+            </a:r>
+            <a:r>
+              <a:rPr lang="en-SG" sz="1600" dirty="0"/>
+              <a:t>, cluster</a:t>
+            </a:r>
+          </a:p>
+          <a:p>
+            <a:r>
+              <a:rPr lang="en-US" sz="2000" dirty="0"/>
+              <a:t>Compare sales with number of transactions</a:t>
             </a:r>
             <a:endParaRPr lang="en-SG" sz="2000" dirty="0"/>
           </a:p>
@@ -8995,62 +8481,9 @@
           </a:p>
           <a:p>
             <a:r>
-              <a:rPr lang="en-US" sz="2000" strike="sngStrike" dirty="0"/>
-              <a:t>Fill in NULL?</a:t>
-            </a:r>
-          </a:p>
-          <a:p>
-            <a:r>
-              <a:rPr lang="en-US" sz="2000" strike="sngStrike" dirty="0"/>
-              <a:t>Remove duplicates </a:t>
-            </a:r>
-            <a:r>
               <a:rPr lang="en-US" sz="2000" dirty="0"/>
-              <a:t>(</a:t>
-            </a:r>
-            <a:r>
-              <a:rPr lang="en-US" sz="2000" b="1" dirty="0"/>
-              <a:t>not necessary anymore, checked that each </a:t>
-            </a:r>
-            <a:r>
-              <a:rPr lang="en-US" sz="2000" b="1" dirty="0" err="1"/>
-              <a:t>article_id</a:t>
-            </a:r>
-            <a:r>
-              <a:rPr lang="en-US" sz="2000" b="1" dirty="0"/>
-              <a:t> is indeed a different item although described similarly to others</a:t>
-            </a:r>
-            <a:r>
-              <a:rPr lang="en-US" sz="2000" dirty="0"/>
-              <a:t>)</a:t>
-            </a:r>
-          </a:p>
-          <a:p>
-            <a:pPr lvl="1"/>
-            <a:r>
-              <a:rPr lang="en-US" sz="1600" dirty="0"/>
-              <a:t>Check if the naming have any typo and not picked up from duplicated() method</a:t>
-            </a:r>
-          </a:p>
-          <a:p>
-            <a:pPr lvl="2"/>
-            <a:r>
-              <a:rPr lang="en-US" sz="1200" dirty="0"/>
-              <a:t>Same product code/product categories but product name is slightly different?</a:t>
-            </a:r>
-          </a:p>
-          <a:p>
-            <a:r>
-              <a:rPr lang="en-US" sz="2000" strike="sngStrike" dirty="0"/>
-              <a:t>Same address = same customer?</a:t>
-            </a:r>
-          </a:p>
-          <a:p>
-            <a:r>
-              <a:rPr lang="en-US" sz="2000" strike="sngStrike" dirty="0"/>
-              <a:t>Same product code = same item?</a:t>
-            </a:r>
-            <a:endParaRPr lang="en-SG" sz="2000" strike="sngStrike" dirty="0"/>
+              <a:t>Fill NAs</a:t>
+            </a:r>
           </a:p>
         </p:txBody>
       </p:sp>
@@ -9428,7 +8861,7 @@
           <p:cNvPr id="2" name="Title 1">
             <a:extLst>
               <a:ext uri="{FF2B5EF4-FFF2-40B4-BE49-F238E27FC236}">
-                <a16:creationId xmlns:a16="http://schemas.microsoft.com/office/drawing/2014/main" id="{701DD3E2-5832-4CD7-A281-13A233BEABAD}"/>
+                <a16:creationId xmlns:a16="http://schemas.microsoft.com/office/drawing/2014/main" id="{41DBDD50-8200-4C06-B662-7131FF3A953C}"/>
               </a:ext>
             </a:extLst>
           </p:cNvPr>
@@ -9453,7 +8886,7 @@
           <a:p>
             <a:r>
               <a:rPr lang="en-US" sz="3600"/>
-              <a:t>Merging all into one dataframe</a:t>
+              <a:t>Feature engineering</a:t>
             </a:r>
             <a:endParaRPr lang="en-SG" sz="3600"/>
           </a:p>
@@ -9464,7 +8897,7 @@
           <p:cNvPr id="3" name="Content Placeholder 2">
             <a:extLst>
               <a:ext uri="{FF2B5EF4-FFF2-40B4-BE49-F238E27FC236}">
-                <a16:creationId xmlns:a16="http://schemas.microsoft.com/office/drawing/2014/main" id="{3226873D-CCFB-4C88-9D44-6B5868D72FE1}"/>
+                <a16:creationId xmlns:a16="http://schemas.microsoft.com/office/drawing/2014/main" id="{31170F2F-A679-4919-8199-EE70021F01EF}"/>
               </a:ext>
             </a:extLst>
           </p:cNvPr>
@@ -9487,7 +8920,96 @@
           </a:bodyPr>
           <a:lstStyle/>
           <a:p>
-            <a:endParaRPr lang="en-SG" sz="2000"/>
+            <a:r>
+              <a:rPr lang="en-US" sz="2000" dirty="0"/>
+              <a:t>Encoding using </a:t>
+            </a:r>
+            <a:r>
+              <a:rPr lang="en-US" sz="2000" dirty="0" err="1"/>
+              <a:t>LabelEncoder</a:t>
+            </a:r>
+            <a:r>
+              <a:rPr lang="en-US" sz="2000" dirty="0"/>
+              <a:t>()</a:t>
+            </a:r>
+          </a:p>
+          <a:p>
+            <a:r>
+              <a:rPr lang="en-US" sz="2000" dirty="0"/>
+              <a:t>Feature selection by correlation, variance, regularization or feature importance</a:t>
+            </a:r>
+          </a:p>
+          <a:p>
+            <a:r>
+              <a:rPr lang="en-US" sz="2000" dirty="0"/>
+              <a:t>Cross-featuring:</a:t>
+            </a:r>
+          </a:p>
+          <a:p>
+            <a:pPr lvl="1"/>
+            <a:r>
+              <a:rPr lang="en-US" sz="1600" dirty="0"/>
+              <a:t>Is holiday celebrated on that day/location? (Transferred, workday </a:t>
+            </a:r>
+            <a:r>
+              <a:rPr lang="en-US" sz="1600" dirty="0" err="1"/>
+              <a:t>etc</a:t>
+            </a:r>
+            <a:r>
+              <a:rPr lang="en-US" sz="1600" dirty="0"/>
+              <a:t>)</a:t>
+            </a:r>
+          </a:p>
+          <a:p>
+            <a:pPr lvl="1"/>
+            <a:r>
+              <a:rPr lang="en-US" sz="1600" dirty="0"/>
+              <a:t>#transactions is total per store – what about per family category? By proportion?</a:t>
+            </a:r>
+          </a:p>
+          <a:p>
+            <a:pPr lvl="1"/>
+            <a:r>
+              <a:rPr lang="en-US" sz="1600" dirty="0"/>
+              <a:t>Analyzing trends of oil price – bucketizing?</a:t>
+            </a:r>
+          </a:p>
+          <a:p>
+            <a:r>
+              <a:rPr lang="en-US" sz="2000" dirty="0"/>
+              <a:t>Extracting dates information – year, month, day</a:t>
+            </a:r>
+          </a:p>
+          <a:p>
+            <a:r>
+              <a:rPr lang="en-US" sz="2000" dirty="0"/>
+              <a:t>Including extra information:</a:t>
+            </a:r>
+          </a:p>
+          <a:p>
+            <a:pPr lvl="1"/>
+            <a:r>
+              <a:rPr lang="en-US" sz="1600" dirty="0"/>
+              <a:t>Wages are paid every 2 weeks on 15</a:t>
+            </a:r>
+            <a:r>
+              <a:rPr lang="en-US" sz="1600" baseline="30000" dirty="0"/>
+              <a:t>th</a:t>
+            </a:r>
+            <a:r>
+              <a:rPr lang="en-US" sz="1600" dirty="0"/>
+              <a:t> and last day of month – sales could be affected by this</a:t>
+            </a:r>
+          </a:p>
+          <a:p>
+            <a:pPr lvl="1"/>
+            <a:r>
+              <a:rPr lang="en-US" sz="1600" dirty="0"/>
+              <a:t>7.8 magnitude earthquake struck Ecuador on 16 Apr 2016 – people rallied efforts in donating water and other products which affect sales for several weeks after</a:t>
+            </a:r>
+          </a:p>
+          <a:p>
+            <a:endParaRPr lang="en-SG" sz="2000" dirty="0"/>
           </a:p>
         </p:txBody>
       </p:sp>
@@ -9762,7 +9284,7 @@
     </p:spTree>
     <p:extLst>
       <p:ext uri="{BB962C8B-B14F-4D97-AF65-F5344CB8AC3E}">
-        <p14:creationId xmlns:p14="http://schemas.microsoft.com/office/powerpoint/2010/main" val="3577131621"/>
+        <p14:creationId xmlns:p14="http://schemas.microsoft.com/office/powerpoint/2010/main" val="4188671874"/>
       </p:ext>
     </p:extLst>
   </p:cSld>
@@ -9865,7 +9387,7 @@
           <p:cNvPr id="2" name="Title 1">
             <a:extLst>
               <a:ext uri="{FF2B5EF4-FFF2-40B4-BE49-F238E27FC236}">
-                <a16:creationId xmlns:a16="http://schemas.microsoft.com/office/drawing/2014/main" id="{41DBDD50-8200-4C06-B662-7131FF3A953C}"/>
+                <a16:creationId xmlns:a16="http://schemas.microsoft.com/office/drawing/2014/main" id="{AF177FF6-6C67-4151-9963-5C11E452CCE2}"/>
               </a:ext>
             </a:extLst>
           </p:cNvPr>
@@ -9890,7 +9412,7 @@
           <a:p>
             <a:r>
               <a:rPr lang="en-US" sz="3600"/>
-              <a:t>Feature engineering</a:t>
+              <a:t>Modelling Preparation</a:t>
             </a:r>
             <a:endParaRPr lang="en-SG" sz="3600"/>
           </a:p>
@@ -9901,7 +9423,7 @@
           <p:cNvPr id="3" name="Content Placeholder 2">
             <a:extLst>
               <a:ext uri="{FF2B5EF4-FFF2-40B4-BE49-F238E27FC236}">
-                <a16:creationId xmlns:a16="http://schemas.microsoft.com/office/drawing/2014/main" id="{31170F2F-A679-4919-8199-EE70021F01EF}"/>
+                <a16:creationId xmlns:a16="http://schemas.microsoft.com/office/drawing/2014/main" id="{B221F34D-7E59-4543-ADF1-F29926BFF691}"/>
               </a:ext>
             </a:extLst>
           </p:cNvPr>
@@ -9925,30 +9447,16 @@
           <a:lstStyle/>
           <a:p>
             <a:r>
-              <a:rPr lang="en-US" sz="2000" dirty="0"/>
-              <a:t>Encoding</a:t>
-            </a:r>
-          </a:p>
-          <a:p>
-            <a:r>
-              <a:rPr lang="en-US" sz="2000" dirty="0"/>
-              <a:t>Selection?</a:t>
-            </a:r>
-          </a:p>
-          <a:p>
-            <a:r>
-              <a:rPr lang="en-US" sz="2000" dirty="0"/>
-              <a:t>Cross-featuring</a:t>
-            </a:r>
-          </a:p>
-          <a:p>
-            <a:r>
-              <a:rPr lang="en-US" sz="2000" dirty="0"/>
-              <a:t>Extracting dates</a:t>
-            </a:r>
-          </a:p>
-          <a:p>
-            <a:endParaRPr lang="en-SG" sz="2000" dirty="0"/>
+              <a:rPr lang="en-US" sz="2000"/>
+              <a:t>Test-train set</a:t>
+            </a:r>
+          </a:p>
+          <a:p>
+            <a:r>
+              <a:rPr lang="en-US" sz="2000"/>
+              <a:t>Creating x_values for predictions</a:t>
+            </a:r>
+            <a:endParaRPr lang="en-SG" sz="2000"/>
           </a:p>
         </p:txBody>
       </p:sp>
@@ -10223,7 +9731,7 @@
     </p:spTree>
     <p:extLst>
       <p:ext uri="{BB962C8B-B14F-4D97-AF65-F5344CB8AC3E}">
-        <p14:creationId xmlns:p14="http://schemas.microsoft.com/office/powerpoint/2010/main" val="4188671874"/>
+        <p14:creationId xmlns:p14="http://schemas.microsoft.com/office/powerpoint/2010/main" val="3036056430"/>
       </p:ext>
     </p:extLst>
   </p:cSld>
@@ -10350,10 +9858,10 @@
           <a:lstStyle/>
           <a:p>
             <a:r>
-              <a:rPr lang="en-US" sz="3600"/>
-              <a:t>Modelling Preparation</a:t>
-            </a:r>
-            <a:endParaRPr lang="en-SG" sz="3600"/>
+              <a:rPr lang="en-US" sz="3600" dirty="0"/>
+              <a:t>Model Design (Time-series)</a:t>
+            </a:r>
+            <a:endParaRPr lang="en-SG" sz="3600" dirty="0"/>
           </a:p>
         </p:txBody>
       </p:sp>
@@ -10386,16 +9894,41 @@
           <a:lstStyle/>
           <a:p>
             <a:r>
-              <a:rPr lang="en-US" sz="2000"/>
-              <a:t>Test-train set</a:t>
-            </a:r>
-          </a:p>
-          <a:p>
-            <a:r>
-              <a:rPr lang="en-US" sz="2000"/>
-              <a:t>Creating x_values for predictions</a:t>
-            </a:r>
-            <a:endParaRPr lang="en-SG" sz="2000"/>
+              <a:rPr lang="en-US" sz="2000" dirty="0"/>
+              <a:t>Baseline Model: Regression</a:t>
+            </a:r>
+          </a:p>
+          <a:p>
+            <a:r>
+              <a:rPr lang="en-US" sz="2000" dirty="0"/>
+              <a:t>Statistical: ARIMA, Holt-Winter’s</a:t>
+            </a:r>
+          </a:p>
+          <a:p>
+            <a:r>
+              <a:rPr lang="en-US" sz="2000" dirty="0"/>
+              <a:t>Ensembled: Random Forest, </a:t>
+            </a:r>
+            <a:r>
+              <a:rPr lang="en-US" sz="2000" dirty="0" err="1"/>
+              <a:t>XGBoost</a:t>
+            </a:r>
+            <a:r>
+              <a:rPr lang="en-US" sz="2000" dirty="0"/>
+              <a:t>?</a:t>
+            </a:r>
+          </a:p>
+          <a:p>
+            <a:r>
+              <a:rPr lang="en-US" sz="2000" dirty="0"/>
+              <a:t>Deep-learning: LSTM</a:t>
+            </a:r>
+          </a:p>
+          <a:p>
+            <a:endParaRPr lang="en-US" sz="2000" dirty="0"/>
+          </a:p>
+          <a:p>
+            <a:endParaRPr lang="en-SG" sz="2000" dirty="0"/>
           </a:p>
         </p:txBody>
       </p:sp>
@@ -10670,7 +10203,7 @@
     </p:spTree>
     <p:extLst>
       <p:ext uri="{BB962C8B-B14F-4D97-AF65-F5344CB8AC3E}">
-        <p14:creationId xmlns:p14="http://schemas.microsoft.com/office/powerpoint/2010/main" val="3036056430"/>
+        <p14:creationId xmlns:p14="http://schemas.microsoft.com/office/powerpoint/2010/main" val="1167581551"/>
       </p:ext>
     </p:extLst>
   </p:cSld>
